--- a/16April 4pm Pharmacy Website.pptx
+++ b/16April 4pm Pharmacy Website.pptx
@@ -1,24 +1,24 @@
 
 <file path=ppt/presentation.xml><?xml version="1.0" encoding="utf-8"?>
-<p:presentation xmlns:a="http://schemas.openxmlformats.org/drawingml/2006/main" xmlns:r="http://schemas.openxmlformats.org/officeDocument/2006/relationships" xmlns:mc="http://schemas.openxmlformats.org/markup-compatibility/2006" xmlns:mv="urn:schemas-microsoft-com:mac:vml" xmlns:p="http://schemas.openxmlformats.org/presentationml/2006/main" xmlns:c="http://schemas.openxmlformats.org/drawingml/2006/chart" xmlns:dgm="http://schemas.openxmlformats.org/drawingml/2006/diagram" xmlns:o="urn:schemas-microsoft-com:office:office" xmlns:v="urn:schemas-microsoft-com:vml" xmlns:pvml="urn:schemas-microsoft-com:office:powerpoint" xmlns:com="http://schemas.openxmlformats.org/drawingml/2006/compatibility" xmlns:p14="http://schemas.microsoft.com/office/powerpoint/2010/main" xmlns:p15="http://schemas.microsoft.com/office/powerpoint/2012/main" autoCompressPictures="0" strictFirstAndLastChars="0" saveSubsetFonts="1">
+<p:presentation xmlns:a="http://schemas.openxmlformats.org/drawingml/2006/main" xmlns:r="http://schemas.openxmlformats.org/officeDocument/2006/relationships" xmlns:p="http://schemas.openxmlformats.org/presentationml/2006/main" strictFirstAndLastChars="0" saveSubsetFonts="1" autoCompressPictures="0">
   <p:sldMasterIdLst>
-    <p:sldMasterId id="2147483649" r:id="rId4"/>
+    <p:sldMasterId id="2147483649" r:id="rId1"/>
   </p:sldMasterIdLst>
   <p:notesMasterIdLst>
-    <p:notesMasterId r:id="rId5"/>
+    <p:notesMasterId r:id="rId8"/>
   </p:notesMasterIdLst>
   <p:sldIdLst>
-    <p:sldId id="256" r:id="rId6"/>
-    <p:sldId id="257" r:id="rId7"/>
-    <p:sldId id="258" r:id="rId8"/>
-    <p:sldId id="259" r:id="rId9"/>
-    <p:sldId id="260" r:id="rId10"/>
-    <p:sldId id="261" r:id="rId11"/>
+    <p:sldId id="256" r:id="rId2"/>
+    <p:sldId id="257" r:id="rId3"/>
+    <p:sldId id="258" r:id="rId4"/>
+    <p:sldId id="259" r:id="rId5"/>
+    <p:sldId id="260" r:id="rId6"/>
+    <p:sldId id="261" r:id="rId7"/>
   </p:sldIdLst>
-  <p:sldSz cy="6858000" cx="9144000"/>
+  <p:sldSz cx="9144000" cy="6858000" type="screen4x3"/>
   <p:notesSz cx="6797675" cy="9874250"/>
   <p:defaultTextStyle>
-    <a:defPPr lvl="0" marR="0" rtl="0" algn="l">
+    <a:defPPr marR="0" lvl="0" algn="l" rtl="0">
       <a:lnSpc>
         <a:spcPct val="100000"/>
       </a:lnSpc>
@@ -29,7 +29,7 @@
         <a:spcPts val="0"/>
       </a:spcAft>
     </a:defPPr>
-    <a:lvl1pPr lvl="0" marR="0" rtl="0" algn="l">
+    <a:lvl1pPr marR="0" lvl="0" algn="l" rtl="0">
       <a:lnSpc>
         <a:spcPct val="100000"/>
       </a:lnSpc>
@@ -43,7 +43,7 @@
         <a:srgbClr val="000000"/>
       </a:buClr>
       <a:buFont typeface="Arial"/>
-      <a:defRPr b="0" i="0" sz="1400" u="none" cap="none" strike="noStrike">
+      <a:defRPr sz="1400" b="0" i="0" u="none" strike="noStrike" cap="none">
         <a:solidFill>
           <a:srgbClr val="000000"/>
         </a:solidFill>
@@ -53,7 +53,7 @@
         <a:sym typeface="Arial"/>
       </a:defRPr>
     </a:lvl1pPr>
-    <a:lvl2pPr lvl="1" marR="0" rtl="0" algn="l">
+    <a:lvl2pPr marR="0" lvl="1" algn="l" rtl="0">
       <a:lnSpc>
         <a:spcPct val="100000"/>
       </a:lnSpc>
@@ -67,7 +67,7 @@
         <a:srgbClr val="000000"/>
       </a:buClr>
       <a:buFont typeface="Arial"/>
-      <a:defRPr b="0" i="0" sz="1400" u="none" cap="none" strike="noStrike">
+      <a:defRPr sz="1400" b="0" i="0" u="none" strike="noStrike" cap="none">
         <a:solidFill>
           <a:srgbClr val="000000"/>
         </a:solidFill>
@@ -77,7 +77,7 @@
         <a:sym typeface="Arial"/>
       </a:defRPr>
     </a:lvl2pPr>
-    <a:lvl3pPr lvl="2" marR="0" rtl="0" algn="l">
+    <a:lvl3pPr marR="0" lvl="2" algn="l" rtl="0">
       <a:lnSpc>
         <a:spcPct val="100000"/>
       </a:lnSpc>
@@ -91,7 +91,7 @@
         <a:srgbClr val="000000"/>
       </a:buClr>
       <a:buFont typeface="Arial"/>
-      <a:defRPr b="0" i="0" sz="1400" u="none" cap="none" strike="noStrike">
+      <a:defRPr sz="1400" b="0" i="0" u="none" strike="noStrike" cap="none">
         <a:solidFill>
           <a:srgbClr val="000000"/>
         </a:solidFill>
@@ -101,7 +101,7 @@
         <a:sym typeface="Arial"/>
       </a:defRPr>
     </a:lvl3pPr>
-    <a:lvl4pPr lvl="3" marR="0" rtl="0" algn="l">
+    <a:lvl4pPr marR="0" lvl="3" algn="l" rtl="0">
       <a:lnSpc>
         <a:spcPct val="100000"/>
       </a:lnSpc>
@@ -115,7 +115,7 @@
         <a:srgbClr val="000000"/>
       </a:buClr>
       <a:buFont typeface="Arial"/>
-      <a:defRPr b="0" i="0" sz="1400" u="none" cap="none" strike="noStrike">
+      <a:defRPr sz="1400" b="0" i="0" u="none" strike="noStrike" cap="none">
         <a:solidFill>
           <a:srgbClr val="000000"/>
         </a:solidFill>
@@ -125,7 +125,7 @@
         <a:sym typeface="Arial"/>
       </a:defRPr>
     </a:lvl4pPr>
-    <a:lvl5pPr lvl="4" marR="0" rtl="0" algn="l">
+    <a:lvl5pPr marR="0" lvl="4" algn="l" rtl="0">
       <a:lnSpc>
         <a:spcPct val="100000"/>
       </a:lnSpc>
@@ -139,7 +139,7 @@
         <a:srgbClr val="000000"/>
       </a:buClr>
       <a:buFont typeface="Arial"/>
-      <a:defRPr b="0" i="0" sz="1400" u="none" cap="none" strike="noStrike">
+      <a:defRPr sz="1400" b="0" i="0" u="none" strike="noStrike" cap="none">
         <a:solidFill>
           <a:srgbClr val="000000"/>
         </a:solidFill>
@@ -149,7 +149,7 @@
         <a:sym typeface="Arial"/>
       </a:defRPr>
     </a:lvl5pPr>
-    <a:lvl6pPr lvl="5" marR="0" rtl="0" algn="l">
+    <a:lvl6pPr marR="0" lvl="5" algn="l" rtl="0">
       <a:lnSpc>
         <a:spcPct val="100000"/>
       </a:lnSpc>
@@ -163,7 +163,7 @@
         <a:srgbClr val="000000"/>
       </a:buClr>
       <a:buFont typeface="Arial"/>
-      <a:defRPr b="0" i="0" sz="1400" u="none" cap="none" strike="noStrike">
+      <a:defRPr sz="1400" b="0" i="0" u="none" strike="noStrike" cap="none">
         <a:solidFill>
           <a:srgbClr val="000000"/>
         </a:solidFill>
@@ -173,7 +173,7 @@
         <a:sym typeface="Arial"/>
       </a:defRPr>
     </a:lvl6pPr>
-    <a:lvl7pPr lvl="6" marR="0" rtl="0" algn="l">
+    <a:lvl7pPr marR="0" lvl="6" algn="l" rtl="0">
       <a:lnSpc>
         <a:spcPct val="100000"/>
       </a:lnSpc>
@@ -187,7 +187,7 @@
         <a:srgbClr val="000000"/>
       </a:buClr>
       <a:buFont typeface="Arial"/>
-      <a:defRPr b="0" i="0" sz="1400" u="none" cap="none" strike="noStrike">
+      <a:defRPr sz="1400" b="0" i="0" u="none" strike="noStrike" cap="none">
         <a:solidFill>
           <a:srgbClr val="000000"/>
         </a:solidFill>
@@ -197,7 +197,7 @@
         <a:sym typeface="Arial"/>
       </a:defRPr>
     </a:lvl7pPr>
-    <a:lvl8pPr lvl="7" marR="0" rtl="0" algn="l">
+    <a:lvl8pPr marR="0" lvl="7" algn="l" rtl="0">
       <a:lnSpc>
         <a:spcPct val="100000"/>
       </a:lnSpc>
@@ -211,7 +211,7 @@
         <a:srgbClr val="000000"/>
       </a:buClr>
       <a:buFont typeface="Arial"/>
-      <a:defRPr b="0" i="0" sz="1400" u="none" cap="none" strike="noStrike">
+      <a:defRPr sz="1400" b="0" i="0" u="none" strike="noStrike" cap="none">
         <a:solidFill>
           <a:srgbClr val="000000"/>
         </a:solidFill>
@@ -221,7 +221,7 @@
         <a:sym typeface="Arial"/>
       </a:defRPr>
     </a:lvl8pPr>
-    <a:lvl9pPr lvl="8" marR="0" rtl="0" algn="l">
+    <a:lvl9pPr marR="0" lvl="8" algn="l" rtl="0">
       <a:lnSpc>
         <a:spcPct val="100000"/>
       </a:lnSpc>
@@ -235,7 +235,7 @@
         <a:srgbClr val="000000"/>
       </a:buClr>
       <a:buFont typeface="Arial"/>
-      <a:defRPr b="0" i="0" sz="1400" u="none" cap="none" strike="noStrike">
+      <a:defRPr sz="1400" b="0" i="0" u="none" strike="noStrike" cap="none">
         <a:solidFill>
           <a:srgbClr val="000000"/>
         </a:solidFill>
@@ -248,7 +248,7 @@
   </p:defaultTextStyle>
   <p:extLst>
     <p:ext uri="{EFAFB233-063F-42B5-8137-9DF3F51BA10A}">
-      <p15:sldGuideLst>
+      <p15:sldGuideLst xmlns:p15="http://schemas.microsoft.com/office/powerpoint/2012/main">
         <p15:guide id="1" orient="horz" pos="2184">
           <p15:clr>
             <a:srgbClr val="000000"/>
@@ -266,18 +266,19 @@
 </file>
 
 <file path=ppt/notesMasters/notesMaster1.xml><?xml version="1.0" encoding="utf-8"?>
-<p:notesMaster xmlns:a="http://schemas.openxmlformats.org/drawingml/2006/main" xmlns:r="http://schemas.openxmlformats.org/officeDocument/2006/relationships" xmlns:mc="http://schemas.openxmlformats.org/markup-compatibility/2006" xmlns:mv="urn:schemas-microsoft-com:mac:vml" xmlns:p="http://schemas.openxmlformats.org/presentationml/2006/main" xmlns:c="http://schemas.openxmlformats.org/drawingml/2006/chart" xmlns:dgm="http://schemas.openxmlformats.org/drawingml/2006/diagram" xmlns:o="urn:schemas-microsoft-com:office:office" xmlns:v="urn:schemas-microsoft-com:vml" xmlns:pvml="urn:schemas-microsoft-com:office:powerpoint" xmlns:com="http://schemas.openxmlformats.org/drawingml/2006/compatibility" xmlns:p14="http://schemas.microsoft.com/office/powerpoint/2010/main" xmlns:p15="http://schemas.microsoft.com/office/powerpoint/2012/main">
+<p:notesMaster xmlns:a="http://schemas.openxmlformats.org/drawingml/2006/main" xmlns:r="http://schemas.openxmlformats.org/officeDocument/2006/relationships" xmlns:p="http://schemas.openxmlformats.org/presentationml/2006/main">
   <p:cSld>
     <p:bg>
       <p:bgPr>
         <a:solidFill>
           <a:schemeClr val="lt1"/>
         </a:solidFill>
+        <a:effectLst/>
       </p:bgPr>
     </p:bg>
     <p:spTree>
       <p:nvGrpSpPr>
-        <p:cNvPr id="2" name="Shape 2"/>
+        <p:cNvPr id="1" name="Shape 2"/>
         <p:cNvGrpSpPr/>
         <p:nvPr/>
       </p:nvGrpSpPr>
@@ -292,9 +293,11 @@
       <p:sp>
         <p:nvSpPr>
           <p:cNvPr id="3" name="Google Shape;3;n"/>
-          <p:cNvSpPr txBox="1"/>
+          <p:cNvSpPr txBox="1">
+            <a:spLocks noGrp="1"/>
+          </p:cNvSpPr>
           <p:nvPr>
-            <p:ph idx="2" type="hdr"/>
+            <p:ph type="hdr" idx="2"/>
           </p:nvPr>
         </p:nvSpPr>
         <p:spPr>
@@ -311,11 +314,11 @@
           </a:ln>
         </p:spPr>
         <p:txBody>
-          <a:bodyPr anchorCtr="0" anchor="t" bIns="45700" lIns="91425" spcFirstLastPara="1" rIns="91425" wrap="square" tIns="45700">
+          <a:bodyPr spcFirstLastPara="1" wrap="square" lIns="91425" tIns="45700" rIns="91425" bIns="45700" anchor="t" anchorCtr="0">
             <a:noAutofit/>
           </a:bodyPr>
           <a:lstStyle>
-            <a:lvl1pPr lvl="0" marR="0" rtl="0" algn="l">
+            <a:lvl1pPr marR="0" lvl="0" algn="l" rtl="0">
               <a:lnSpc>
                 <a:spcPct val="100000"/>
               </a:lnSpc>
@@ -331,7 +334,7 @@
               <a:buSzPts val="1400"/>
               <a:buFont typeface="Arial"/>
               <a:buNone/>
-              <a:defRPr b="0" i="0" sz="1200" u="none" cap="none" strike="noStrike">
+              <a:defRPr sz="1200" b="0" i="0" u="none" strike="noStrike" cap="none">
                 <a:solidFill>
                   <a:schemeClr val="dk1"/>
                 </a:solidFill>
@@ -341,7 +344,7 @@
                 <a:sym typeface="Arial"/>
               </a:defRPr>
             </a:lvl1pPr>
-            <a:lvl2pPr lvl="1" marR="0" rtl="0" algn="l">
+            <a:lvl2pPr marR="0" lvl="1" algn="l" rtl="0">
               <a:lnSpc>
                 <a:spcPct val="100000"/>
               </a:lnSpc>
@@ -357,7 +360,7 @@
               <a:buSzPts val="1400"/>
               <a:buFont typeface="Arial"/>
               <a:buNone/>
-              <a:defRPr b="0" i="0" sz="1800" u="none" cap="none" strike="noStrike">
+              <a:defRPr sz="1800" b="0" i="0" u="none" strike="noStrike" cap="none">
                 <a:solidFill>
                   <a:schemeClr val="dk1"/>
                 </a:solidFill>
@@ -367,7 +370,7 @@
                 <a:sym typeface="Arial"/>
               </a:defRPr>
             </a:lvl2pPr>
-            <a:lvl3pPr lvl="2" marR="0" rtl="0" algn="l">
+            <a:lvl3pPr marR="0" lvl="2" algn="l" rtl="0">
               <a:lnSpc>
                 <a:spcPct val="100000"/>
               </a:lnSpc>
@@ -383,7 +386,7 @@
               <a:buSzPts val="1400"/>
               <a:buFont typeface="Arial"/>
               <a:buNone/>
-              <a:defRPr b="0" i="0" sz="1800" u="none" cap="none" strike="noStrike">
+              <a:defRPr sz="1800" b="0" i="0" u="none" strike="noStrike" cap="none">
                 <a:solidFill>
                   <a:schemeClr val="dk1"/>
                 </a:solidFill>
@@ -393,7 +396,7 @@
                 <a:sym typeface="Arial"/>
               </a:defRPr>
             </a:lvl3pPr>
-            <a:lvl4pPr lvl="3" marR="0" rtl="0" algn="l">
+            <a:lvl4pPr marR="0" lvl="3" algn="l" rtl="0">
               <a:lnSpc>
                 <a:spcPct val="100000"/>
               </a:lnSpc>
@@ -409,7 +412,7 @@
               <a:buSzPts val="1400"/>
               <a:buFont typeface="Arial"/>
               <a:buNone/>
-              <a:defRPr b="0" i="0" sz="1800" u="none" cap="none" strike="noStrike">
+              <a:defRPr sz="1800" b="0" i="0" u="none" strike="noStrike" cap="none">
                 <a:solidFill>
                   <a:schemeClr val="dk1"/>
                 </a:solidFill>
@@ -419,7 +422,7 @@
                 <a:sym typeface="Arial"/>
               </a:defRPr>
             </a:lvl4pPr>
-            <a:lvl5pPr lvl="4" marR="0" rtl="0" algn="l">
+            <a:lvl5pPr marR="0" lvl="4" algn="l" rtl="0">
               <a:lnSpc>
                 <a:spcPct val="100000"/>
               </a:lnSpc>
@@ -435,7 +438,7 @@
               <a:buSzPts val="1400"/>
               <a:buFont typeface="Arial"/>
               <a:buNone/>
-              <a:defRPr b="0" i="0" sz="1800" u="none" cap="none" strike="noStrike">
+              <a:defRPr sz="1800" b="0" i="0" u="none" strike="noStrike" cap="none">
                 <a:solidFill>
                   <a:schemeClr val="dk1"/>
                 </a:solidFill>
@@ -445,7 +448,7 @@
                 <a:sym typeface="Arial"/>
               </a:defRPr>
             </a:lvl5pPr>
-            <a:lvl6pPr lvl="5" marR="0" rtl="0" algn="l">
+            <a:lvl6pPr marR="0" lvl="5" algn="l" rtl="0">
               <a:lnSpc>
                 <a:spcPct val="100000"/>
               </a:lnSpc>
@@ -461,7 +464,7 @@
               <a:buSzPts val="1400"/>
               <a:buFont typeface="Arial"/>
               <a:buNone/>
-              <a:defRPr b="0" i="0" sz="1800" u="none" cap="none" strike="noStrike">
+              <a:defRPr sz="1800" b="0" i="0" u="none" strike="noStrike" cap="none">
                 <a:solidFill>
                   <a:schemeClr val="dk1"/>
                 </a:solidFill>
@@ -471,7 +474,7 @@
                 <a:sym typeface="Arial"/>
               </a:defRPr>
             </a:lvl6pPr>
-            <a:lvl7pPr lvl="6" marR="0" rtl="0" algn="l">
+            <a:lvl7pPr marR="0" lvl="6" algn="l" rtl="0">
               <a:lnSpc>
                 <a:spcPct val="100000"/>
               </a:lnSpc>
@@ -487,7 +490,7 @@
               <a:buSzPts val="1400"/>
               <a:buFont typeface="Arial"/>
               <a:buNone/>
-              <a:defRPr b="0" i="0" sz="1800" u="none" cap="none" strike="noStrike">
+              <a:defRPr sz="1800" b="0" i="0" u="none" strike="noStrike" cap="none">
                 <a:solidFill>
                   <a:schemeClr val="dk1"/>
                 </a:solidFill>
@@ -497,7 +500,7 @@
                 <a:sym typeface="Arial"/>
               </a:defRPr>
             </a:lvl7pPr>
-            <a:lvl8pPr lvl="7" marR="0" rtl="0" algn="l">
+            <a:lvl8pPr marR="0" lvl="7" algn="l" rtl="0">
               <a:lnSpc>
                 <a:spcPct val="100000"/>
               </a:lnSpc>
@@ -513,7 +516,7 @@
               <a:buSzPts val="1400"/>
               <a:buFont typeface="Arial"/>
               <a:buNone/>
-              <a:defRPr b="0" i="0" sz="1800" u="none" cap="none" strike="noStrike">
+              <a:defRPr sz="1800" b="0" i="0" u="none" strike="noStrike" cap="none">
                 <a:solidFill>
                   <a:schemeClr val="dk1"/>
                 </a:solidFill>
@@ -523,7 +526,7 @@
                 <a:sym typeface="Arial"/>
               </a:defRPr>
             </a:lvl8pPr>
-            <a:lvl9pPr lvl="8" marR="0" rtl="0" algn="l">
+            <a:lvl9pPr marR="0" lvl="8" algn="l" rtl="0">
               <a:lnSpc>
                 <a:spcPct val="100000"/>
               </a:lnSpc>
@@ -539,7 +542,7 @@
               <a:buSzPts val="1400"/>
               <a:buFont typeface="Arial"/>
               <a:buNone/>
-              <a:defRPr b="0" i="0" sz="1800" u="none" cap="none" strike="noStrike">
+              <a:defRPr sz="1800" b="0" i="0" u="none" strike="noStrike" cap="none">
                 <a:solidFill>
                   <a:schemeClr val="dk1"/>
                 </a:solidFill>
@@ -550,15 +553,19 @@
               </a:defRPr>
             </a:lvl9pPr>
           </a:lstStyle>
-          <a:p/>
+          <a:p>
+            <a:endParaRPr/>
+          </a:p>
         </p:txBody>
       </p:sp>
       <p:sp>
         <p:nvSpPr>
           <p:cNvPr id="4" name="Google Shape;4;n"/>
-          <p:cNvSpPr txBox="1"/>
+          <p:cNvSpPr txBox="1">
+            <a:spLocks noGrp="1"/>
+          </p:cNvSpPr>
           <p:nvPr>
-            <p:ph idx="10" type="dt"/>
+            <p:ph type="dt" idx="10"/>
           </p:nvPr>
         </p:nvSpPr>
         <p:spPr>
@@ -575,11 +582,11 @@
           </a:ln>
         </p:spPr>
         <p:txBody>
-          <a:bodyPr anchorCtr="0" anchor="t" bIns="45700" lIns="91425" spcFirstLastPara="1" rIns="91425" wrap="square" tIns="45700">
+          <a:bodyPr spcFirstLastPara="1" wrap="square" lIns="91425" tIns="45700" rIns="91425" bIns="45700" anchor="t" anchorCtr="0">
             <a:noAutofit/>
           </a:bodyPr>
           <a:lstStyle>
-            <a:lvl1pPr lvl="0" marR="0" rtl="0" algn="r">
+            <a:lvl1pPr marR="0" lvl="0" algn="r" rtl="0">
               <a:lnSpc>
                 <a:spcPct val="100000"/>
               </a:lnSpc>
@@ -595,7 +602,7 @@
               <a:buSzPts val="1400"/>
               <a:buFont typeface="Arial"/>
               <a:buNone/>
-              <a:defRPr b="0" i="0" sz="1200" u="none" cap="none" strike="noStrike">
+              <a:defRPr sz="1200" b="0" i="0" u="none" strike="noStrike" cap="none">
                 <a:solidFill>
                   <a:schemeClr val="dk1"/>
                 </a:solidFill>
@@ -605,7 +612,7 @@
                 <a:sym typeface="Arial"/>
               </a:defRPr>
             </a:lvl1pPr>
-            <a:lvl2pPr lvl="1" marR="0" rtl="0" algn="l">
+            <a:lvl2pPr marR="0" lvl="1" algn="l" rtl="0">
               <a:lnSpc>
                 <a:spcPct val="100000"/>
               </a:lnSpc>
@@ -621,7 +628,7 @@
               <a:buSzPts val="1400"/>
               <a:buFont typeface="Arial"/>
               <a:buNone/>
-              <a:defRPr b="0" i="0" sz="1800" u="none" cap="none" strike="noStrike">
+              <a:defRPr sz="1800" b="0" i="0" u="none" strike="noStrike" cap="none">
                 <a:solidFill>
                   <a:schemeClr val="dk1"/>
                 </a:solidFill>
@@ -631,7 +638,7 @@
                 <a:sym typeface="Arial"/>
               </a:defRPr>
             </a:lvl2pPr>
-            <a:lvl3pPr lvl="2" marR="0" rtl="0" algn="l">
+            <a:lvl3pPr marR="0" lvl="2" algn="l" rtl="0">
               <a:lnSpc>
                 <a:spcPct val="100000"/>
               </a:lnSpc>
@@ -647,7 +654,7 @@
               <a:buSzPts val="1400"/>
               <a:buFont typeface="Arial"/>
               <a:buNone/>
-              <a:defRPr b="0" i="0" sz="1800" u="none" cap="none" strike="noStrike">
+              <a:defRPr sz="1800" b="0" i="0" u="none" strike="noStrike" cap="none">
                 <a:solidFill>
                   <a:schemeClr val="dk1"/>
                 </a:solidFill>
@@ -657,7 +664,7 @@
                 <a:sym typeface="Arial"/>
               </a:defRPr>
             </a:lvl3pPr>
-            <a:lvl4pPr lvl="3" marR="0" rtl="0" algn="l">
+            <a:lvl4pPr marR="0" lvl="3" algn="l" rtl="0">
               <a:lnSpc>
                 <a:spcPct val="100000"/>
               </a:lnSpc>
@@ -673,7 +680,7 @@
               <a:buSzPts val="1400"/>
               <a:buFont typeface="Arial"/>
               <a:buNone/>
-              <a:defRPr b="0" i="0" sz="1800" u="none" cap="none" strike="noStrike">
+              <a:defRPr sz="1800" b="0" i="0" u="none" strike="noStrike" cap="none">
                 <a:solidFill>
                   <a:schemeClr val="dk1"/>
                 </a:solidFill>
@@ -683,7 +690,7 @@
                 <a:sym typeface="Arial"/>
               </a:defRPr>
             </a:lvl4pPr>
-            <a:lvl5pPr lvl="4" marR="0" rtl="0" algn="l">
+            <a:lvl5pPr marR="0" lvl="4" algn="l" rtl="0">
               <a:lnSpc>
                 <a:spcPct val="100000"/>
               </a:lnSpc>
@@ -699,7 +706,7 @@
               <a:buSzPts val="1400"/>
               <a:buFont typeface="Arial"/>
               <a:buNone/>
-              <a:defRPr b="0" i="0" sz="1800" u="none" cap="none" strike="noStrike">
+              <a:defRPr sz="1800" b="0" i="0" u="none" strike="noStrike" cap="none">
                 <a:solidFill>
                   <a:schemeClr val="dk1"/>
                 </a:solidFill>
@@ -709,7 +716,7 @@
                 <a:sym typeface="Arial"/>
               </a:defRPr>
             </a:lvl5pPr>
-            <a:lvl6pPr lvl="5" marR="0" rtl="0" algn="l">
+            <a:lvl6pPr marR="0" lvl="5" algn="l" rtl="0">
               <a:lnSpc>
                 <a:spcPct val="100000"/>
               </a:lnSpc>
@@ -725,7 +732,7 @@
               <a:buSzPts val="1400"/>
               <a:buFont typeface="Arial"/>
               <a:buNone/>
-              <a:defRPr b="0" i="0" sz="1800" u="none" cap="none" strike="noStrike">
+              <a:defRPr sz="1800" b="0" i="0" u="none" strike="noStrike" cap="none">
                 <a:solidFill>
                   <a:schemeClr val="dk1"/>
                 </a:solidFill>
@@ -735,7 +742,7 @@
                 <a:sym typeface="Arial"/>
               </a:defRPr>
             </a:lvl6pPr>
-            <a:lvl7pPr lvl="6" marR="0" rtl="0" algn="l">
+            <a:lvl7pPr marR="0" lvl="6" algn="l" rtl="0">
               <a:lnSpc>
                 <a:spcPct val="100000"/>
               </a:lnSpc>
@@ -751,7 +758,7 @@
               <a:buSzPts val="1400"/>
               <a:buFont typeface="Arial"/>
               <a:buNone/>
-              <a:defRPr b="0" i="0" sz="1800" u="none" cap="none" strike="noStrike">
+              <a:defRPr sz="1800" b="0" i="0" u="none" strike="noStrike" cap="none">
                 <a:solidFill>
                   <a:schemeClr val="dk1"/>
                 </a:solidFill>
@@ -761,7 +768,7 @@
                 <a:sym typeface="Arial"/>
               </a:defRPr>
             </a:lvl7pPr>
-            <a:lvl8pPr lvl="7" marR="0" rtl="0" algn="l">
+            <a:lvl8pPr marR="0" lvl="7" algn="l" rtl="0">
               <a:lnSpc>
                 <a:spcPct val="100000"/>
               </a:lnSpc>
@@ -777,7 +784,7 @@
               <a:buSzPts val="1400"/>
               <a:buFont typeface="Arial"/>
               <a:buNone/>
-              <a:defRPr b="0" i="0" sz="1800" u="none" cap="none" strike="noStrike">
+              <a:defRPr sz="1800" b="0" i="0" u="none" strike="noStrike" cap="none">
                 <a:solidFill>
                   <a:schemeClr val="dk1"/>
                 </a:solidFill>
@@ -787,7 +794,7 @@
                 <a:sym typeface="Arial"/>
               </a:defRPr>
             </a:lvl8pPr>
-            <a:lvl9pPr lvl="8" marR="0" rtl="0" algn="l">
+            <a:lvl9pPr marR="0" lvl="8" algn="l" rtl="0">
               <a:lnSpc>
                 <a:spcPct val="100000"/>
               </a:lnSpc>
@@ -803,7 +810,7 @@
               <a:buSzPts val="1400"/>
               <a:buFont typeface="Arial"/>
               <a:buNone/>
-              <a:defRPr b="0" i="0" sz="1800" u="none" cap="none" strike="noStrike">
+              <a:defRPr sz="1800" b="0" i="0" u="none" strike="noStrike" cap="none">
                 <a:solidFill>
                   <a:schemeClr val="dk1"/>
                 </a:solidFill>
@@ -814,15 +821,19 @@
               </a:defRPr>
             </a:lvl9pPr>
           </a:lstStyle>
-          <a:p/>
+          <a:p>
+            <a:endParaRPr/>
+          </a:p>
         </p:txBody>
       </p:sp>
       <p:sp>
         <p:nvSpPr>
           <p:cNvPr id="5" name="Google Shape;5;n"/>
-          <p:cNvSpPr/>
+          <p:cNvSpPr>
+            <a:spLocks noGrp="1" noRot="1" noChangeAspect="1"/>
+          </p:cNvSpPr>
           <p:nvPr>
-            <p:ph idx="3" type="sldImg"/>
+            <p:ph type="sldImg" idx="3"/>
           </p:nvPr>
         </p:nvSpPr>
         <p:spPr>
@@ -831,9 +842,13 @@
             <a:ext cx="4935537" cy="3703638"/>
           </a:xfrm>
           <a:custGeom>
-            <a:rect b="b" l="l" r="r" t="t"/>
+            <a:avLst/>
+            <a:gdLst/>
+            <a:ahLst/>
+            <a:cxnLst/>
+            <a:rect l="l" t="t" r="r" b="b"/>
             <a:pathLst>
-              <a:path extrusionOk="0" h="120000" w="120000">
+              <a:path w="120000" h="120000" extrusionOk="0">
                 <a:moveTo>
                   <a:pt x="0" y="0"/>
                 </a:moveTo>
@@ -851,23 +866,25 @@
             </a:pathLst>
           </a:custGeom>
           <a:noFill/>
-          <a:ln cap="flat" cmpd="sng" w="12700">
+          <a:ln w="12700" cap="flat" cmpd="sng">
             <a:solidFill>
               <a:srgbClr val="000000"/>
             </a:solidFill>
             <a:prstDash val="solid"/>
             <a:round/>
-            <a:headEnd len="sm" w="sm" type="none"/>
-            <a:tailEnd len="sm" w="sm" type="none"/>
+            <a:headEnd type="none" w="sm" len="sm"/>
+            <a:tailEnd type="none" w="sm" len="sm"/>
           </a:ln>
         </p:spPr>
       </p:sp>
       <p:sp>
         <p:nvSpPr>
           <p:cNvPr id="6" name="Google Shape;6;n"/>
-          <p:cNvSpPr txBox="1"/>
+          <p:cNvSpPr txBox="1">
+            <a:spLocks noGrp="1"/>
+          </p:cNvSpPr>
           <p:nvPr>
-            <p:ph idx="1" type="body"/>
+            <p:ph type="body" idx="1"/>
           </p:nvPr>
         </p:nvSpPr>
         <p:spPr>
@@ -884,11 +901,11 @@
           </a:ln>
         </p:spPr>
         <p:txBody>
-          <a:bodyPr anchorCtr="0" anchor="t" bIns="45700" lIns="91425" spcFirstLastPara="1" rIns="91425" wrap="square" tIns="45700">
+          <a:bodyPr spcFirstLastPara="1" wrap="square" lIns="91425" tIns="45700" rIns="91425" bIns="45700" anchor="t" anchorCtr="0">
             <a:noAutofit/>
           </a:bodyPr>
           <a:lstStyle>
-            <a:lvl1pPr indent="-228600" lvl="0" marL="457200" marR="0" rtl="0" algn="l">
+            <a:lvl1pPr marL="457200" marR="0" lvl="0" indent="-228600" algn="l" rtl="0">
               <a:lnSpc>
                 <a:spcPct val="100000"/>
               </a:lnSpc>
@@ -904,7 +921,7 @@
               <a:buSzPts val="1400"/>
               <a:buFont typeface="Arial"/>
               <a:buNone/>
-              <a:defRPr b="0" i="0" sz="1200" u="none" cap="none" strike="noStrike">
+              <a:defRPr sz="1200" b="0" i="0" u="none" strike="noStrike" cap="none">
                 <a:solidFill>
                   <a:schemeClr val="dk1"/>
                 </a:solidFill>
@@ -914,7 +931,7 @@
                 <a:sym typeface="Calibri"/>
               </a:defRPr>
             </a:lvl1pPr>
-            <a:lvl2pPr indent="-228600" lvl="1" marL="914400" marR="0" rtl="0" algn="l">
+            <a:lvl2pPr marL="914400" marR="0" lvl="1" indent="-228600" algn="l" rtl="0">
               <a:lnSpc>
                 <a:spcPct val="100000"/>
               </a:lnSpc>
@@ -930,7 +947,7 @@
               <a:buSzPts val="1400"/>
               <a:buFont typeface="Arial"/>
               <a:buNone/>
-              <a:defRPr b="0" i="0" sz="1200" u="none" cap="none" strike="noStrike">
+              <a:defRPr sz="1200" b="0" i="0" u="none" strike="noStrike" cap="none">
                 <a:solidFill>
                   <a:schemeClr val="dk1"/>
                 </a:solidFill>
@@ -940,7 +957,7 @@
                 <a:sym typeface="Calibri"/>
               </a:defRPr>
             </a:lvl2pPr>
-            <a:lvl3pPr indent="-228600" lvl="2" marL="1371600" marR="0" rtl="0" algn="l">
+            <a:lvl3pPr marL="1371600" marR="0" lvl="2" indent="-228600" algn="l" rtl="0">
               <a:lnSpc>
                 <a:spcPct val="100000"/>
               </a:lnSpc>
@@ -956,7 +973,7 @@
               <a:buSzPts val="1400"/>
               <a:buFont typeface="Arial"/>
               <a:buNone/>
-              <a:defRPr b="0" i="0" sz="1200" u="none" cap="none" strike="noStrike">
+              <a:defRPr sz="1200" b="0" i="0" u="none" strike="noStrike" cap="none">
                 <a:solidFill>
                   <a:schemeClr val="dk1"/>
                 </a:solidFill>
@@ -966,7 +983,7 @@
                 <a:sym typeface="Calibri"/>
               </a:defRPr>
             </a:lvl3pPr>
-            <a:lvl4pPr indent="-228600" lvl="3" marL="1828800" marR="0" rtl="0" algn="l">
+            <a:lvl4pPr marL="1828800" marR="0" lvl="3" indent="-228600" algn="l" rtl="0">
               <a:lnSpc>
                 <a:spcPct val="100000"/>
               </a:lnSpc>
@@ -982,7 +999,7 @@
               <a:buSzPts val="1400"/>
               <a:buFont typeface="Arial"/>
               <a:buNone/>
-              <a:defRPr b="0" i="0" sz="1200" u="none" cap="none" strike="noStrike">
+              <a:defRPr sz="1200" b="0" i="0" u="none" strike="noStrike" cap="none">
                 <a:solidFill>
                   <a:schemeClr val="dk1"/>
                 </a:solidFill>
@@ -992,7 +1009,7 @@
                 <a:sym typeface="Calibri"/>
               </a:defRPr>
             </a:lvl4pPr>
-            <a:lvl5pPr indent="-228600" lvl="4" marL="2286000" marR="0" rtl="0" algn="l">
+            <a:lvl5pPr marL="2286000" marR="0" lvl="4" indent="-228600" algn="l" rtl="0">
               <a:lnSpc>
                 <a:spcPct val="100000"/>
               </a:lnSpc>
@@ -1008,7 +1025,7 @@
               <a:buSzPts val="1400"/>
               <a:buFont typeface="Arial"/>
               <a:buNone/>
-              <a:defRPr b="0" i="0" sz="1200" u="none" cap="none" strike="noStrike">
+              <a:defRPr sz="1200" b="0" i="0" u="none" strike="noStrike" cap="none">
                 <a:solidFill>
                   <a:schemeClr val="dk1"/>
                 </a:solidFill>
@@ -1018,7 +1035,7 @@
                 <a:sym typeface="Calibri"/>
               </a:defRPr>
             </a:lvl5pPr>
-            <a:lvl6pPr indent="-228600" lvl="5" marL="2743200" marR="0" rtl="0" algn="l">
+            <a:lvl6pPr marL="2743200" marR="0" lvl="5" indent="-228600" algn="l" rtl="0">
               <a:lnSpc>
                 <a:spcPct val="100000"/>
               </a:lnSpc>
@@ -1034,7 +1051,7 @@
               <a:buSzPts val="1400"/>
               <a:buFont typeface="Arial"/>
               <a:buNone/>
-              <a:defRPr b="0" i="0" sz="1200" u="none" cap="none" strike="noStrike">
+              <a:defRPr sz="1200" b="0" i="0" u="none" strike="noStrike" cap="none">
                 <a:solidFill>
                   <a:schemeClr val="dk1"/>
                 </a:solidFill>
@@ -1044,7 +1061,7 @@
                 <a:sym typeface="Calibri"/>
               </a:defRPr>
             </a:lvl6pPr>
-            <a:lvl7pPr indent="-228600" lvl="6" marL="3200400" marR="0" rtl="0" algn="l">
+            <a:lvl7pPr marL="3200400" marR="0" lvl="6" indent="-228600" algn="l" rtl="0">
               <a:lnSpc>
                 <a:spcPct val="100000"/>
               </a:lnSpc>
@@ -1060,7 +1077,7 @@
               <a:buSzPts val="1400"/>
               <a:buFont typeface="Arial"/>
               <a:buNone/>
-              <a:defRPr b="0" i="0" sz="1200" u="none" cap="none" strike="noStrike">
+              <a:defRPr sz="1200" b="0" i="0" u="none" strike="noStrike" cap="none">
                 <a:solidFill>
                   <a:schemeClr val="dk1"/>
                 </a:solidFill>
@@ -1070,7 +1087,7 @@
                 <a:sym typeface="Calibri"/>
               </a:defRPr>
             </a:lvl7pPr>
-            <a:lvl8pPr indent="-228600" lvl="7" marL="3657600" marR="0" rtl="0" algn="l">
+            <a:lvl8pPr marL="3657600" marR="0" lvl="7" indent="-228600" algn="l" rtl="0">
               <a:lnSpc>
                 <a:spcPct val="100000"/>
               </a:lnSpc>
@@ -1086,7 +1103,7 @@
               <a:buSzPts val="1400"/>
               <a:buFont typeface="Arial"/>
               <a:buNone/>
-              <a:defRPr b="0" i="0" sz="1200" u="none" cap="none" strike="noStrike">
+              <a:defRPr sz="1200" b="0" i="0" u="none" strike="noStrike" cap="none">
                 <a:solidFill>
                   <a:schemeClr val="dk1"/>
                 </a:solidFill>
@@ -1096,7 +1113,7 @@
                 <a:sym typeface="Calibri"/>
               </a:defRPr>
             </a:lvl8pPr>
-            <a:lvl9pPr indent="-228600" lvl="8" marL="4114800" marR="0" rtl="0" algn="l">
+            <a:lvl9pPr marL="4114800" marR="0" lvl="8" indent="-228600" algn="l" rtl="0">
               <a:lnSpc>
                 <a:spcPct val="100000"/>
               </a:lnSpc>
@@ -1112,7 +1129,7 @@
               <a:buSzPts val="1400"/>
               <a:buFont typeface="Arial"/>
               <a:buNone/>
-              <a:defRPr b="0" i="0" sz="1200" u="none" cap="none" strike="noStrike">
+              <a:defRPr sz="1200" b="0" i="0" u="none" strike="noStrike" cap="none">
                 <a:solidFill>
                   <a:schemeClr val="dk1"/>
                 </a:solidFill>
@@ -1123,15 +1140,19 @@
               </a:defRPr>
             </a:lvl9pPr>
           </a:lstStyle>
-          <a:p/>
+          <a:p>
+            <a:endParaRPr/>
+          </a:p>
         </p:txBody>
       </p:sp>
       <p:sp>
         <p:nvSpPr>
           <p:cNvPr id="7" name="Google Shape;7;n"/>
-          <p:cNvSpPr txBox="1"/>
+          <p:cNvSpPr txBox="1">
+            <a:spLocks noGrp="1"/>
+          </p:cNvSpPr>
           <p:nvPr>
-            <p:ph idx="11" type="ftr"/>
+            <p:ph type="ftr" idx="11"/>
           </p:nvPr>
         </p:nvSpPr>
         <p:spPr>
@@ -1148,11 +1169,11 @@
           </a:ln>
         </p:spPr>
         <p:txBody>
-          <a:bodyPr anchorCtr="0" anchor="b" bIns="45700" lIns="91425" spcFirstLastPara="1" rIns="91425" wrap="square" tIns="45700">
+          <a:bodyPr spcFirstLastPara="1" wrap="square" lIns="91425" tIns="45700" rIns="91425" bIns="45700" anchor="b" anchorCtr="0">
             <a:noAutofit/>
           </a:bodyPr>
           <a:lstStyle>
-            <a:lvl1pPr lvl="0" marR="0" rtl="0" algn="l">
+            <a:lvl1pPr marR="0" lvl="0" algn="l" rtl="0">
               <a:lnSpc>
                 <a:spcPct val="100000"/>
               </a:lnSpc>
@@ -1168,7 +1189,7 @@
               <a:buSzPts val="1400"/>
               <a:buFont typeface="Arial"/>
               <a:buNone/>
-              <a:defRPr b="0" i="0" sz="1200" u="none" cap="none" strike="noStrike">
+              <a:defRPr sz="1200" b="0" i="0" u="none" strike="noStrike" cap="none">
                 <a:solidFill>
                   <a:schemeClr val="dk1"/>
                 </a:solidFill>
@@ -1178,7 +1199,7 @@
                 <a:sym typeface="Arial"/>
               </a:defRPr>
             </a:lvl1pPr>
-            <a:lvl2pPr lvl="1" marR="0" rtl="0" algn="l">
+            <a:lvl2pPr marR="0" lvl="1" algn="l" rtl="0">
               <a:lnSpc>
                 <a:spcPct val="100000"/>
               </a:lnSpc>
@@ -1194,7 +1215,7 @@
               <a:buSzPts val="1400"/>
               <a:buFont typeface="Arial"/>
               <a:buNone/>
-              <a:defRPr b="0" i="0" sz="1800" u="none" cap="none" strike="noStrike">
+              <a:defRPr sz="1800" b="0" i="0" u="none" strike="noStrike" cap="none">
                 <a:solidFill>
                   <a:schemeClr val="dk1"/>
                 </a:solidFill>
@@ -1204,7 +1225,7 @@
                 <a:sym typeface="Arial"/>
               </a:defRPr>
             </a:lvl2pPr>
-            <a:lvl3pPr lvl="2" marR="0" rtl="0" algn="l">
+            <a:lvl3pPr marR="0" lvl="2" algn="l" rtl="0">
               <a:lnSpc>
                 <a:spcPct val="100000"/>
               </a:lnSpc>
@@ -1220,7 +1241,7 @@
               <a:buSzPts val="1400"/>
               <a:buFont typeface="Arial"/>
               <a:buNone/>
-              <a:defRPr b="0" i="0" sz="1800" u="none" cap="none" strike="noStrike">
+              <a:defRPr sz="1800" b="0" i="0" u="none" strike="noStrike" cap="none">
                 <a:solidFill>
                   <a:schemeClr val="dk1"/>
                 </a:solidFill>
@@ -1230,7 +1251,7 @@
                 <a:sym typeface="Arial"/>
               </a:defRPr>
             </a:lvl3pPr>
-            <a:lvl4pPr lvl="3" marR="0" rtl="0" algn="l">
+            <a:lvl4pPr marR="0" lvl="3" algn="l" rtl="0">
               <a:lnSpc>
                 <a:spcPct val="100000"/>
               </a:lnSpc>
@@ -1246,7 +1267,7 @@
               <a:buSzPts val="1400"/>
               <a:buFont typeface="Arial"/>
               <a:buNone/>
-              <a:defRPr b="0" i="0" sz="1800" u="none" cap="none" strike="noStrike">
+              <a:defRPr sz="1800" b="0" i="0" u="none" strike="noStrike" cap="none">
                 <a:solidFill>
                   <a:schemeClr val="dk1"/>
                 </a:solidFill>
@@ -1256,7 +1277,7 @@
                 <a:sym typeface="Arial"/>
               </a:defRPr>
             </a:lvl4pPr>
-            <a:lvl5pPr lvl="4" marR="0" rtl="0" algn="l">
+            <a:lvl5pPr marR="0" lvl="4" algn="l" rtl="0">
               <a:lnSpc>
                 <a:spcPct val="100000"/>
               </a:lnSpc>
@@ -1272,7 +1293,7 @@
               <a:buSzPts val="1400"/>
               <a:buFont typeface="Arial"/>
               <a:buNone/>
-              <a:defRPr b="0" i="0" sz="1800" u="none" cap="none" strike="noStrike">
+              <a:defRPr sz="1800" b="0" i="0" u="none" strike="noStrike" cap="none">
                 <a:solidFill>
                   <a:schemeClr val="dk1"/>
                 </a:solidFill>
@@ -1282,7 +1303,7 @@
                 <a:sym typeface="Arial"/>
               </a:defRPr>
             </a:lvl5pPr>
-            <a:lvl6pPr lvl="5" marR="0" rtl="0" algn="l">
+            <a:lvl6pPr marR="0" lvl="5" algn="l" rtl="0">
               <a:lnSpc>
                 <a:spcPct val="100000"/>
               </a:lnSpc>
@@ -1298,7 +1319,7 @@
               <a:buSzPts val="1400"/>
               <a:buFont typeface="Arial"/>
               <a:buNone/>
-              <a:defRPr b="0" i="0" sz="1800" u="none" cap="none" strike="noStrike">
+              <a:defRPr sz="1800" b="0" i="0" u="none" strike="noStrike" cap="none">
                 <a:solidFill>
                   <a:schemeClr val="dk1"/>
                 </a:solidFill>
@@ -1308,7 +1329,7 @@
                 <a:sym typeface="Arial"/>
               </a:defRPr>
             </a:lvl6pPr>
-            <a:lvl7pPr lvl="6" marR="0" rtl="0" algn="l">
+            <a:lvl7pPr marR="0" lvl="6" algn="l" rtl="0">
               <a:lnSpc>
                 <a:spcPct val="100000"/>
               </a:lnSpc>
@@ -1324,7 +1345,7 @@
               <a:buSzPts val="1400"/>
               <a:buFont typeface="Arial"/>
               <a:buNone/>
-              <a:defRPr b="0" i="0" sz="1800" u="none" cap="none" strike="noStrike">
+              <a:defRPr sz="1800" b="0" i="0" u="none" strike="noStrike" cap="none">
                 <a:solidFill>
                   <a:schemeClr val="dk1"/>
                 </a:solidFill>
@@ -1334,7 +1355,7 @@
                 <a:sym typeface="Arial"/>
               </a:defRPr>
             </a:lvl7pPr>
-            <a:lvl8pPr lvl="7" marR="0" rtl="0" algn="l">
+            <a:lvl8pPr marR="0" lvl="7" algn="l" rtl="0">
               <a:lnSpc>
                 <a:spcPct val="100000"/>
               </a:lnSpc>
@@ -1350,7 +1371,7 @@
               <a:buSzPts val="1400"/>
               <a:buFont typeface="Arial"/>
               <a:buNone/>
-              <a:defRPr b="0" i="0" sz="1800" u="none" cap="none" strike="noStrike">
+              <a:defRPr sz="1800" b="0" i="0" u="none" strike="noStrike" cap="none">
                 <a:solidFill>
                   <a:schemeClr val="dk1"/>
                 </a:solidFill>
@@ -1360,7 +1381,7 @@
                 <a:sym typeface="Arial"/>
               </a:defRPr>
             </a:lvl8pPr>
-            <a:lvl9pPr lvl="8" marR="0" rtl="0" algn="l">
+            <a:lvl9pPr marR="0" lvl="8" algn="l" rtl="0">
               <a:lnSpc>
                 <a:spcPct val="100000"/>
               </a:lnSpc>
@@ -1376,7 +1397,7 @@
               <a:buSzPts val="1400"/>
               <a:buFont typeface="Arial"/>
               <a:buNone/>
-              <a:defRPr b="0" i="0" sz="1800" u="none" cap="none" strike="noStrike">
+              <a:defRPr sz="1800" b="0" i="0" u="none" strike="noStrike" cap="none">
                 <a:solidFill>
                   <a:schemeClr val="dk1"/>
                 </a:solidFill>
@@ -1387,15 +1408,19 @@
               </a:defRPr>
             </a:lvl9pPr>
           </a:lstStyle>
-          <a:p/>
+          <a:p>
+            <a:endParaRPr/>
+          </a:p>
         </p:txBody>
       </p:sp>
       <p:sp>
         <p:nvSpPr>
           <p:cNvPr id="8" name="Google Shape;8;n"/>
-          <p:cNvSpPr txBox="1"/>
+          <p:cNvSpPr txBox="1">
+            <a:spLocks noGrp="1"/>
+          </p:cNvSpPr>
           <p:nvPr>
-            <p:ph idx="12" type="sldNum"/>
+            <p:ph type="sldNum" idx="12"/>
           </p:nvPr>
         </p:nvSpPr>
         <p:spPr>
@@ -1412,12 +1437,12 @@
           </a:ln>
         </p:spPr>
         <p:txBody>
-          <a:bodyPr anchorCtr="0" anchor="b" bIns="45700" lIns="91425" spcFirstLastPara="1" rIns="91425" wrap="square" tIns="45700">
+          <a:bodyPr spcFirstLastPara="1" wrap="square" lIns="91425" tIns="45700" rIns="91425" bIns="45700" anchor="b" anchorCtr="0">
             <a:noAutofit/>
           </a:bodyPr>
           <a:lstStyle/>
           <a:p>
-            <a:pPr indent="0" lvl="0" marL="0" marR="0" rtl="0" algn="r">
+            <a:pPr marL="0" marR="0" lvl="0" indent="0" algn="r" rtl="0">
               <a:lnSpc>
                 <a:spcPct val="100000"/>
               </a:lnSpc>
@@ -1435,7 +1460,7 @@
               <a:buNone/>
             </a:pPr>
             <a:fld id="{00000000-1234-1234-1234-123412341234}" type="slidenum">
-              <a:rPr b="0" i="0" lang="en-US" sz="1200" u="none" cap="none" strike="noStrike">
+              <a:rPr lang="en-US" sz="1200" b="0" i="0" u="none" strike="noStrike" cap="none">
                 <a:solidFill>
                   <a:schemeClr val="dk1"/>
                 </a:solidFill>
@@ -1446,7 +1471,7 @@
               </a:rPr>
               <a:t>‹#›</a:t>
             </a:fld>
-            <a:endParaRPr b="0" i="0" sz="1200" u="none" cap="none" strike="noStrike">
+            <a:endParaRPr sz="1200" b="0" i="0" u="none" strike="noStrike" cap="none">
               <a:solidFill>
                 <a:schemeClr val="dk1"/>
               </a:solidFill>
@@ -1460,9 +1485,9 @@
       </p:sp>
     </p:spTree>
   </p:cSld>
-  <p:clrMap accent1="accent1" accent2="accent2" accent3="accent3" accent4="accent4" accent5="accent5" accent6="accent6" bg1="lt1" bg2="dk2" tx1="dk1" tx2="lt2" folHlink="folHlink" hlink="hlink"/>
+  <p:clrMap bg1="lt1" tx1="dk1" bg2="dk2" tx2="lt2" accent1="accent1" accent2="accent2" accent3="accent3" accent4="accent4" accent5="accent5" accent6="accent6" hlink="hlink" folHlink="folHlink"/>
   <p:notesStyle>
-    <a:defPPr lvl="0" marR="0" rtl="0" algn="l">
+    <a:defPPr marR="0" lvl="0" algn="l" rtl="0">
       <a:lnSpc>
         <a:spcPct val="100000"/>
       </a:lnSpc>
@@ -1473,7 +1498,7 @@
         <a:spcPts val="0"/>
       </a:spcAft>
     </a:defPPr>
-    <a:lvl1pPr lvl="0" marR="0" rtl="0" algn="l">
+    <a:lvl1pPr marR="0" lvl="0" algn="l" rtl="0">
       <a:lnSpc>
         <a:spcPct val="100000"/>
       </a:lnSpc>
@@ -1487,7 +1512,7 @@
         <a:srgbClr val="000000"/>
       </a:buClr>
       <a:buFont typeface="Arial"/>
-      <a:defRPr b="0" i="0" sz="1400" u="none" cap="none" strike="noStrike">
+      <a:defRPr sz="1400" b="0" i="0" u="none" strike="noStrike" cap="none">
         <a:solidFill>
           <a:srgbClr val="000000"/>
         </a:solidFill>
@@ -1497,7 +1522,7 @@
         <a:sym typeface="Arial"/>
       </a:defRPr>
     </a:lvl1pPr>
-    <a:lvl2pPr lvl="1" marR="0" rtl="0" algn="l">
+    <a:lvl2pPr marR="0" lvl="1" algn="l" rtl="0">
       <a:lnSpc>
         <a:spcPct val="100000"/>
       </a:lnSpc>
@@ -1511,7 +1536,7 @@
         <a:srgbClr val="000000"/>
       </a:buClr>
       <a:buFont typeface="Arial"/>
-      <a:defRPr b="0" i="0" sz="1400" u="none" cap="none" strike="noStrike">
+      <a:defRPr sz="1400" b="0" i="0" u="none" strike="noStrike" cap="none">
         <a:solidFill>
           <a:srgbClr val="000000"/>
         </a:solidFill>
@@ -1521,7 +1546,7 @@
         <a:sym typeface="Arial"/>
       </a:defRPr>
     </a:lvl2pPr>
-    <a:lvl3pPr lvl="2" marR="0" rtl="0" algn="l">
+    <a:lvl3pPr marR="0" lvl="2" algn="l" rtl="0">
       <a:lnSpc>
         <a:spcPct val="100000"/>
       </a:lnSpc>
@@ -1535,7 +1560,7 @@
         <a:srgbClr val="000000"/>
       </a:buClr>
       <a:buFont typeface="Arial"/>
-      <a:defRPr b="0" i="0" sz="1400" u="none" cap="none" strike="noStrike">
+      <a:defRPr sz="1400" b="0" i="0" u="none" strike="noStrike" cap="none">
         <a:solidFill>
           <a:srgbClr val="000000"/>
         </a:solidFill>
@@ -1545,7 +1570,7 @@
         <a:sym typeface="Arial"/>
       </a:defRPr>
     </a:lvl3pPr>
-    <a:lvl4pPr lvl="3" marR="0" rtl="0" algn="l">
+    <a:lvl4pPr marR="0" lvl="3" algn="l" rtl="0">
       <a:lnSpc>
         <a:spcPct val="100000"/>
       </a:lnSpc>
@@ -1559,7 +1584,7 @@
         <a:srgbClr val="000000"/>
       </a:buClr>
       <a:buFont typeface="Arial"/>
-      <a:defRPr b="0" i="0" sz="1400" u="none" cap="none" strike="noStrike">
+      <a:defRPr sz="1400" b="0" i="0" u="none" strike="noStrike" cap="none">
         <a:solidFill>
           <a:srgbClr val="000000"/>
         </a:solidFill>
@@ -1569,7 +1594,7 @@
         <a:sym typeface="Arial"/>
       </a:defRPr>
     </a:lvl4pPr>
-    <a:lvl5pPr lvl="4" marR="0" rtl="0" algn="l">
+    <a:lvl5pPr marR="0" lvl="4" algn="l" rtl="0">
       <a:lnSpc>
         <a:spcPct val="100000"/>
       </a:lnSpc>
@@ -1583,7 +1608,7 @@
         <a:srgbClr val="000000"/>
       </a:buClr>
       <a:buFont typeface="Arial"/>
-      <a:defRPr b="0" i="0" sz="1400" u="none" cap="none" strike="noStrike">
+      <a:defRPr sz="1400" b="0" i="0" u="none" strike="noStrike" cap="none">
         <a:solidFill>
           <a:srgbClr val="000000"/>
         </a:solidFill>
@@ -1593,7 +1618,7 @@
         <a:sym typeface="Arial"/>
       </a:defRPr>
     </a:lvl5pPr>
-    <a:lvl6pPr lvl="5" marR="0" rtl="0" algn="l">
+    <a:lvl6pPr marR="0" lvl="5" algn="l" rtl="0">
       <a:lnSpc>
         <a:spcPct val="100000"/>
       </a:lnSpc>
@@ -1607,7 +1632,7 @@
         <a:srgbClr val="000000"/>
       </a:buClr>
       <a:buFont typeface="Arial"/>
-      <a:defRPr b="0" i="0" sz="1400" u="none" cap="none" strike="noStrike">
+      <a:defRPr sz="1400" b="0" i="0" u="none" strike="noStrike" cap="none">
         <a:solidFill>
           <a:srgbClr val="000000"/>
         </a:solidFill>
@@ -1617,7 +1642,7 @@
         <a:sym typeface="Arial"/>
       </a:defRPr>
     </a:lvl6pPr>
-    <a:lvl7pPr lvl="6" marR="0" rtl="0" algn="l">
+    <a:lvl7pPr marR="0" lvl="6" algn="l" rtl="0">
       <a:lnSpc>
         <a:spcPct val="100000"/>
       </a:lnSpc>
@@ -1631,7 +1656,7 @@
         <a:srgbClr val="000000"/>
       </a:buClr>
       <a:buFont typeface="Arial"/>
-      <a:defRPr b="0" i="0" sz="1400" u="none" cap="none" strike="noStrike">
+      <a:defRPr sz="1400" b="0" i="0" u="none" strike="noStrike" cap="none">
         <a:solidFill>
           <a:srgbClr val="000000"/>
         </a:solidFill>
@@ -1641,7 +1666,7 @@
         <a:sym typeface="Arial"/>
       </a:defRPr>
     </a:lvl7pPr>
-    <a:lvl8pPr lvl="7" marR="0" rtl="0" algn="l">
+    <a:lvl8pPr marR="0" lvl="7" algn="l" rtl="0">
       <a:lnSpc>
         <a:spcPct val="100000"/>
       </a:lnSpc>
@@ -1655,7 +1680,7 @@
         <a:srgbClr val="000000"/>
       </a:buClr>
       <a:buFont typeface="Arial"/>
-      <a:defRPr b="0" i="0" sz="1400" u="none" cap="none" strike="noStrike">
+      <a:defRPr sz="1400" b="0" i="0" u="none" strike="noStrike" cap="none">
         <a:solidFill>
           <a:srgbClr val="000000"/>
         </a:solidFill>
@@ -1665,7 +1690,7 @@
         <a:sym typeface="Arial"/>
       </a:defRPr>
     </a:lvl8pPr>
-    <a:lvl9pPr lvl="8" marR="0" rtl="0" algn="l">
+    <a:lvl9pPr marR="0" lvl="8" algn="l" rtl="0">
       <a:lnSpc>
         <a:spcPct val="100000"/>
       </a:lnSpc>
@@ -1679,7 +1704,7 @@
         <a:srgbClr val="000000"/>
       </a:buClr>
       <a:buFont typeface="Arial"/>
-      <a:defRPr b="0" i="0" sz="1400" u="none" cap="none" strike="noStrike">
+      <a:defRPr sz="1400" b="0" i="0" u="none" strike="noStrike" cap="none">
         <a:solidFill>
           <a:srgbClr val="000000"/>
         </a:solidFill>
@@ -1694,11 +1719,11 @@
 </file>
 
 <file path=ppt/notesSlides/notesSlide1.xml><?xml version="1.0" encoding="utf-8"?>
-<p:notes xmlns:a="http://schemas.openxmlformats.org/drawingml/2006/main" xmlns:r="http://schemas.openxmlformats.org/officeDocument/2006/relationships" xmlns:mc="http://schemas.openxmlformats.org/markup-compatibility/2006" xmlns:mv="urn:schemas-microsoft-com:mac:vml" xmlns:p="http://schemas.openxmlformats.org/presentationml/2006/main" xmlns:c="http://schemas.openxmlformats.org/drawingml/2006/chart" xmlns:dgm="http://schemas.openxmlformats.org/drawingml/2006/diagram" xmlns:o="urn:schemas-microsoft-com:office:office" xmlns:v="urn:schemas-microsoft-com:vml" xmlns:pvml="urn:schemas-microsoft-com:office:powerpoint" xmlns:com="http://schemas.openxmlformats.org/drawingml/2006/compatibility" xmlns:p14="http://schemas.microsoft.com/office/powerpoint/2010/main" xmlns:p15="http://schemas.microsoft.com/office/powerpoint/2012/main" showMasterPhAnim="0" showMasterSp="0">
+<p:notes xmlns:a="http://schemas.openxmlformats.org/drawingml/2006/main" xmlns:r="http://schemas.openxmlformats.org/officeDocument/2006/relationships" xmlns:p="http://schemas.openxmlformats.org/presentationml/2006/main" showMasterSp="0" showMasterPhAnim="0">
   <p:cSld>
     <p:spTree>
       <p:nvGrpSpPr>
-        <p:cNvPr id="18" name="Shape 18"/>
+        <p:cNvPr id="1" name="Shape 18"/>
         <p:cNvGrpSpPr/>
         <p:nvPr/>
       </p:nvGrpSpPr>
@@ -1713,9 +1738,11 @@
       <p:sp>
         <p:nvSpPr>
           <p:cNvPr id="19" name="Google Shape;19;p1:notes"/>
-          <p:cNvSpPr txBox="1"/>
+          <p:cNvSpPr txBox="1">
+            <a:spLocks noGrp="1"/>
+          </p:cNvSpPr>
           <p:nvPr>
-            <p:ph idx="1" type="body"/>
+            <p:ph type="body" idx="1"/>
           </p:nvPr>
         </p:nvSpPr>
         <p:spPr>
@@ -1732,12 +1759,12 @@
           </a:ln>
         </p:spPr>
         <p:txBody>
-          <a:bodyPr anchorCtr="0" anchor="t" bIns="45700" lIns="91425" spcFirstLastPara="1" rIns="91425" wrap="square" tIns="45700">
+          <a:bodyPr spcFirstLastPara="1" wrap="square" lIns="91425" tIns="45700" rIns="91425" bIns="45700" anchor="t" anchorCtr="0">
             <a:noAutofit/>
           </a:bodyPr>
           <a:lstStyle/>
           <a:p>
-            <a:pPr indent="0" lvl="0" marL="0" rtl="0" algn="l">
+            <a:pPr marL="0" lvl="0" indent="0" algn="l" rtl="0">
               <a:lnSpc>
                 <a:spcPct val="100000"/>
               </a:lnSpc>
@@ -1750,9 +1777,6 @@
               <a:buSzPts val="1400"/>
               <a:buNone/>
             </a:pPr>
-            <a:r>
-              <a:t/>
-            </a:r>
             <a:endParaRPr/>
           </a:p>
         </p:txBody>
@@ -1760,9 +1784,11 @@
       <p:sp>
         <p:nvSpPr>
           <p:cNvPr id="20" name="Google Shape;20;p1:notes"/>
-          <p:cNvSpPr/>
+          <p:cNvSpPr>
+            <a:spLocks noGrp="1" noRot="1" noChangeAspect="1"/>
+          </p:cNvSpPr>
           <p:nvPr>
-            <p:ph idx="2" type="sldImg"/>
+            <p:ph type="sldImg" idx="2"/>
           </p:nvPr>
         </p:nvSpPr>
         <p:spPr>
@@ -1771,9 +1797,13 @@
             <a:ext cx="4935537" cy="3703638"/>
           </a:xfrm>
           <a:custGeom>
-            <a:rect b="b" l="l" r="r" t="t"/>
+            <a:avLst/>
+            <a:gdLst/>
+            <a:ahLst/>
+            <a:cxnLst/>
+            <a:rect l="l" t="t" r="r" b="b"/>
             <a:pathLst>
-              <a:path extrusionOk="0" h="120000" w="120000">
+              <a:path w="120000" h="120000" extrusionOk="0">
                 <a:moveTo>
                   <a:pt x="0" y="0"/>
                 </a:moveTo>
@@ -1791,14 +1821,14 @@
             </a:pathLst>
           </a:custGeom>
           <a:noFill/>
-          <a:ln cap="flat" cmpd="sng" w="12700">
+          <a:ln w="12700" cap="flat" cmpd="sng">
             <a:solidFill>
               <a:srgbClr val="000000"/>
             </a:solidFill>
             <a:prstDash val="solid"/>
             <a:round/>
-            <a:headEnd len="sm" w="sm" type="none"/>
-            <a:tailEnd len="sm" w="sm" type="none"/>
+            <a:headEnd type="none" w="sm" len="sm"/>
+            <a:tailEnd type="none" w="sm" len="sm"/>
           </a:ln>
         </p:spPr>
       </p:sp>
@@ -1811,11 +1841,11 @@
 </file>
 
 <file path=ppt/notesSlides/notesSlide2.xml><?xml version="1.0" encoding="utf-8"?>
-<p:notes xmlns:a="http://schemas.openxmlformats.org/drawingml/2006/main" xmlns:r="http://schemas.openxmlformats.org/officeDocument/2006/relationships" xmlns:mc="http://schemas.openxmlformats.org/markup-compatibility/2006" xmlns:mv="urn:schemas-microsoft-com:mac:vml" xmlns:p="http://schemas.openxmlformats.org/presentationml/2006/main" xmlns:c="http://schemas.openxmlformats.org/drawingml/2006/chart" xmlns:dgm="http://schemas.openxmlformats.org/drawingml/2006/diagram" xmlns:o="urn:schemas-microsoft-com:office:office" xmlns:v="urn:schemas-microsoft-com:vml" xmlns:pvml="urn:schemas-microsoft-com:office:powerpoint" xmlns:com="http://schemas.openxmlformats.org/drawingml/2006/compatibility" xmlns:p14="http://schemas.microsoft.com/office/powerpoint/2010/main" xmlns:p15="http://schemas.microsoft.com/office/powerpoint/2012/main" showMasterPhAnim="0" showMasterSp="0">
+<p:notes xmlns:a="http://schemas.openxmlformats.org/drawingml/2006/main" xmlns:r="http://schemas.openxmlformats.org/officeDocument/2006/relationships" xmlns:p="http://schemas.openxmlformats.org/presentationml/2006/main" showMasterSp="0" showMasterPhAnim="0">
   <p:cSld>
     <p:spTree>
       <p:nvGrpSpPr>
-        <p:cNvPr id="24" name="Shape 24"/>
+        <p:cNvPr id="1" name="Shape 24"/>
         <p:cNvGrpSpPr/>
         <p:nvPr/>
       </p:nvGrpSpPr>
@@ -1830,9 +1860,11 @@
       <p:sp>
         <p:nvSpPr>
           <p:cNvPr id="25" name="Google Shape;25;p2:notes"/>
-          <p:cNvSpPr txBox="1"/>
+          <p:cNvSpPr txBox="1">
+            <a:spLocks noGrp="1"/>
+          </p:cNvSpPr>
           <p:nvPr>
-            <p:ph idx="1" type="body"/>
+            <p:ph type="body" idx="1"/>
           </p:nvPr>
         </p:nvSpPr>
         <p:spPr>
@@ -1849,12 +1881,12 @@
           </a:ln>
         </p:spPr>
         <p:txBody>
-          <a:bodyPr anchorCtr="0" anchor="t" bIns="45700" lIns="91425" spcFirstLastPara="1" rIns="91425" wrap="square" tIns="45700">
+          <a:bodyPr spcFirstLastPara="1" wrap="square" lIns="91425" tIns="45700" rIns="91425" bIns="45700" anchor="t" anchorCtr="0">
             <a:noAutofit/>
           </a:bodyPr>
           <a:lstStyle/>
           <a:p>
-            <a:pPr indent="0" lvl="0" marL="0" rtl="0" algn="l">
+            <a:pPr marL="0" lvl="0" indent="0" algn="l" rtl="0">
               <a:lnSpc>
                 <a:spcPct val="100000"/>
               </a:lnSpc>
@@ -1871,9 +1903,6 @@
               <a:buFont typeface="Calibri"/>
               <a:buNone/>
             </a:pPr>
-            <a:r>
-              <a:t/>
-            </a:r>
             <a:endParaRPr/>
           </a:p>
         </p:txBody>
@@ -1881,9 +1910,11 @@
       <p:sp>
         <p:nvSpPr>
           <p:cNvPr id="26" name="Google Shape;26;p2:notes"/>
-          <p:cNvSpPr/>
+          <p:cNvSpPr>
+            <a:spLocks noGrp="1" noRot="1" noChangeAspect="1"/>
+          </p:cNvSpPr>
           <p:nvPr>
-            <p:ph idx="2" type="sldImg"/>
+            <p:ph type="sldImg" idx="2"/>
           </p:nvPr>
         </p:nvSpPr>
         <p:spPr>
@@ -1892,9 +1923,13 @@
             <a:ext cx="4935537" cy="3703638"/>
           </a:xfrm>
           <a:custGeom>
-            <a:rect b="b" l="l" r="r" t="t"/>
+            <a:avLst/>
+            <a:gdLst/>
+            <a:ahLst/>
+            <a:cxnLst/>
+            <a:rect l="l" t="t" r="r" b="b"/>
             <a:pathLst>
-              <a:path extrusionOk="0" h="120000" w="120000">
+              <a:path w="120000" h="120000" extrusionOk="0">
                 <a:moveTo>
                   <a:pt x="0" y="0"/>
                 </a:moveTo>
@@ -1912,14 +1947,14 @@
             </a:pathLst>
           </a:custGeom>
           <a:noFill/>
-          <a:ln cap="flat" cmpd="sng" w="12700">
+          <a:ln w="12700" cap="flat" cmpd="sng">
             <a:solidFill>
               <a:srgbClr val="000000"/>
             </a:solidFill>
             <a:prstDash val="solid"/>
             <a:round/>
-            <a:headEnd len="sm" w="sm" type="none"/>
-            <a:tailEnd len="sm" w="sm" type="none"/>
+            <a:headEnd type="none" w="sm" len="sm"/>
+            <a:tailEnd type="none" w="sm" len="sm"/>
           </a:ln>
         </p:spPr>
       </p:sp>
@@ -1932,11 +1967,11 @@
 </file>
 
 <file path=ppt/notesSlides/notesSlide3.xml><?xml version="1.0" encoding="utf-8"?>
-<p:notes xmlns:a="http://schemas.openxmlformats.org/drawingml/2006/main" xmlns:r="http://schemas.openxmlformats.org/officeDocument/2006/relationships" xmlns:mc="http://schemas.openxmlformats.org/markup-compatibility/2006" xmlns:mv="urn:schemas-microsoft-com:mac:vml" xmlns:p="http://schemas.openxmlformats.org/presentationml/2006/main" xmlns:c="http://schemas.openxmlformats.org/drawingml/2006/chart" xmlns:dgm="http://schemas.openxmlformats.org/drawingml/2006/diagram" xmlns:o="urn:schemas-microsoft-com:office:office" xmlns:v="urn:schemas-microsoft-com:vml" xmlns:pvml="urn:schemas-microsoft-com:office:powerpoint" xmlns:com="http://schemas.openxmlformats.org/drawingml/2006/compatibility" xmlns:p14="http://schemas.microsoft.com/office/powerpoint/2010/main" xmlns:p15="http://schemas.microsoft.com/office/powerpoint/2012/main" showMasterPhAnim="0" showMasterSp="0">
+<p:notes xmlns:a="http://schemas.openxmlformats.org/drawingml/2006/main" xmlns:r="http://schemas.openxmlformats.org/officeDocument/2006/relationships" xmlns:p="http://schemas.openxmlformats.org/presentationml/2006/main" showMasterSp="0" showMasterPhAnim="0">
   <p:cSld>
     <p:spTree>
       <p:nvGrpSpPr>
-        <p:cNvPr id="31" name="Shape 31"/>
+        <p:cNvPr id="1" name="Shape 31"/>
         <p:cNvGrpSpPr/>
         <p:nvPr/>
       </p:nvGrpSpPr>
@@ -1951,9 +1986,11 @@
       <p:sp>
         <p:nvSpPr>
           <p:cNvPr id="32" name="Google Shape;32;p3:notes"/>
-          <p:cNvSpPr txBox="1"/>
+          <p:cNvSpPr txBox="1">
+            <a:spLocks noGrp="1"/>
+          </p:cNvSpPr>
           <p:nvPr>
-            <p:ph idx="1" type="body"/>
+            <p:ph type="body" idx="1"/>
           </p:nvPr>
         </p:nvSpPr>
         <p:spPr>
@@ -1970,12 +2007,12 @@
           </a:ln>
         </p:spPr>
         <p:txBody>
-          <a:bodyPr anchorCtr="0" anchor="t" bIns="45700" lIns="91425" spcFirstLastPara="1" rIns="91425" wrap="square" tIns="45700">
+          <a:bodyPr spcFirstLastPara="1" wrap="square" lIns="91425" tIns="45700" rIns="91425" bIns="45700" anchor="t" anchorCtr="0">
             <a:noAutofit/>
           </a:bodyPr>
           <a:lstStyle/>
           <a:p>
-            <a:pPr indent="0" lvl="0" marL="0" rtl="0" algn="l">
+            <a:pPr marL="0" lvl="0" indent="0" algn="l" rtl="0">
               <a:lnSpc>
                 <a:spcPct val="100000"/>
               </a:lnSpc>
@@ -1992,9 +2029,6 @@
               <a:buFont typeface="Calibri"/>
               <a:buNone/>
             </a:pPr>
-            <a:r>
-              <a:t/>
-            </a:r>
             <a:endParaRPr/>
           </a:p>
         </p:txBody>
@@ -2002,9 +2036,11 @@
       <p:sp>
         <p:nvSpPr>
           <p:cNvPr id="33" name="Google Shape;33;p3:notes"/>
-          <p:cNvSpPr/>
+          <p:cNvSpPr>
+            <a:spLocks noGrp="1" noRot="1" noChangeAspect="1"/>
+          </p:cNvSpPr>
           <p:nvPr>
-            <p:ph idx="2" type="sldImg"/>
+            <p:ph type="sldImg" idx="2"/>
           </p:nvPr>
         </p:nvSpPr>
         <p:spPr>
@@ -2013,9 +2049,13 @@
             <a:ext cx="4935537" cy="3703638"/>
           </a:xfrm>
           <a:custGeom>
-            <a:rect b="b" l="l" r="r" t="t"/>
+            <a:avLst/>
+            <a:gdLst/>
+            <a:ahLst/>
+            <a:cxnLst/>
+            <a:rect l="l" t="t" r="r" b="b"/>
             <a:pathLst>
-              <a:path extrusionOk="0" h="120000" w="120000">
+              <a:path w="120000" h="120000" extrusionOk="0">
                 <a:moveTo>
                   <a:pt x="0" y="0"/>
                 </a:moveTo>
@@ -2033,14 +2073,14 @@
             </a:pathLst>
           </a:custGeom>
           <a:noFill/>
-          <a:ln cap="flat" cmpd="sng" w="12700">
+          <a:ln w="12700" cap="flat" cmpd="sng">
             <a:solidFill>
               <a:srgbClr val="000000"/>
             </a:solidFill>
             <a:prstDash val="solid"/>
             <a:round/>
-            <a:headEnd len="sm" w="sm" type="none"/>
-            <a:tailEnd len="sm" w="sm" type="none"/>
+            <a:headEnd type="none" w="sm" len="sm"/>
+            <a:tailEnd type="none" w="sm" len="sm"/>
           </a:ln>
         </p:spPr>
       </p:sp>
@@ -2053,11 +2093,11 @@
 </file>
 
 <file path=ppt/notesSlides/notesSlide4.xml><?xml version="1.0" encoding="utf-8"?>
-<p:notes xmlns:a="http://schemas.openxmlformats.org/drawingml/2006/main" xmlns:r="http://schemas.openxmlformats.org/officeDocument/2006/relationships" xmlns:mc="http://schemas.openxmlformats.org/markup-compatibility/2006" xmlns:mv="urn:schemas-microsoft-com:mac:vml" xmlns:p="http://schemas.openxmlformats.org/presentationml/2006/main" xmlns:c="http://schemas.openxmlformats.org/drawingml/2006/chart" xmlns:dgm="http://schemas.openxmlformats.org/drawingml/2006/diagram" xmlns:o="urn:schemas-microsoft-com:office:office" xmlns:v="urn:schemas-microsoft-com:vml" xmlns:pvml="urn:schemas-microsoft-com:office:powerpoint" xmlns:com="http://schemas.openxmlformats.org/drawingml/2006/compatibility" xmlns:p14="http://schemas.microsoft.com/office/powerpoint/2010/main" xmlns:p15="http://schemas.microsoft.com/office/powerpoint/2012/main" showMasterPhAnim="0" showMasterSp="0">
+<p:notes xmlns:a="http://schemas.openxmlformats.org/drawingml/2006/main" xmlns:r="http://schemas.openxmlformats.org/officeDocument/2006/relationships" xmlns:p="http://schemas.openxmlformats.org/presentationml/2006/main" showMasterSp="0" showMasterPhAnim="0">
   <p:cSld>
     <p:spTree>
       <p:nvGrpSpPr>
-        <p:cNvPr id="38" name="Shape 38"/>
+        <p:cNvPr id="1" name="Shape 38"/>
         <p:cNvGrpSpPr/>
         <p:nvPr/>
       </p:nvGrpSpPr>
@@ -2072,9 +2112,11 @@
       <p:sp>
         <p:nvSpPr>
           <p:cNvPr id="39" name="Google Shape;39;p4:notes"/>
-          <p:cNvSpPr txBox="1"/>
+          <p:cNvSpPr txBox="1">
+            <a:spLocks noGrp="1"/>
+          </p:cNvSpPr>
           <p:nvPr>
-            <p:ph idx="1" type="body"/>
+            <p:ph type="body" idx="1"/>
           </p:nvPr>
         </p:nvSpPr>
         <p:spPr>
@@ -2091,12 +2133,12 @@
           </a:ln>
         </p:spPr>
         <p:txBody>
-          <a:bodyPr anchorCtr="0" anchor="t" bIns="45700" lIns="91425" spcFirstLastPara="1" rIns="91425" wrap="square" tIns="45700">
+          <a:bodyPr spcFirstLastPara="1" wrap="square" lIns="91425" tIns="45700" rIns="91425" bIns="45700" anchor="t" anchorCtr="0">
             <a:noAutofit/>
           </a:bodyPr>
           <a:lstStyle/>
           <a:p>
-            <a:pPr indent="0" lvl="0" marL="0" rtl="0" algn="l">
+            <a:pPr marL="0" lvl="0" indent="0" algn="l" rtl="0">
               <a:lnSpc>
                 <a:spcPct val="100000"/>
               </a:lnSpc>
@@ -2113,9 +2155,6 @@
               <a:buFont typeface="Calibri"/>
               <a:buNone/>
             </a:pPr>
-            <a:r>
-              <a:t/>
-            </a:r>
             <a:endParaRPr/>
           </a:p>
         </p:txBody>
@@ -2123,9 +2162,11 @@
       <p:sp>
         <p:nvSpPr>
           <p:cNvPr id="40" name="Google Shape;40;p4:notes"/>
-          <p:cNvSpPr/>
+          <p:cNvSpPr>
+            <a:spLocks noGrp="1" noRot="1" noChangeAspect="1"/>
+          </p:cNvSpPr>
           <p:nvPr>
-            <p:ph idx="2" type="sldImg"/>
+            <p:ph type="sldImg" idx="2"/>
           </p:nvPr>
         </p:nvSpPr>
         <p:spPr>
@@ -2134,9 +2175,13 @@
             <a:ext cx="4935537" cy="3703638"/>
           </a:xfrm>
           <a:custGeom>
-            <a:rect b="b" l="l" r="r" t="t"/>
+            <a:avLst/>
+            <a:gdLst/>
+            <a:ahLst/>
+            <a:cxnLst/>
+            <a:rect l="l" t="t" r="r" b="b"/>
             <a:pathLst>
-              <a:path extrusionOk="0" h="120000" w="120000">
+              <a:path w="120000" h="120000" extrusionOk="0">
                 <a:moveTo>
                   <a:pt x="0" y="0"/>
                 </a:moveTo>
@@ -2154,14 +2199,14 @@
             </a:pathLst>
           </a:custGeom>
           <a:noFill/>
-          <a:ln cap="flat" cmpd="sng" w="12700">
+          <a:ln w="12700" cap="flat" cmpd="sng">
             <a:solidFill>
               <a:srgbClr val="000000"/>
             </a:solidFill>
             <a:prstDash val="solid"/>
             <a:round/>
-            <a:headEnd len="sm" w="sm" type="none"/>
-            <a:tailEnd len="sm" w="sm" type="none"/>
+            <a:headEnd type="none" w="sm" len="sm"/>
+            <a:tailEnd type="none" w="sm" len="sm"/>
           </a:ln>
         </p:spPr>
       </p:sp>
@@ -2174,11 +2219,11 @@
 </file>
 
 <file path=ppt/notesSlides/notesSlide5.xml><?xml version="1.0" encoding="utf-8"?>
-<p:notes xmlns:a="http://schemas.openxmlformats.org/drawingml/2006/main" xmlns:r="http://schemas.openxmlformats.org/officeDocument/2006/relationships" xmlns:mc="http://schemas.openxmlformats.org/markup-compatibility/2006" xmlns:mv="urn:schemas-microsoft-com:mac:vml" xmlns:p="http://schemas.openxmlformats.org/presentationml/2006/main" xmlns:c="http://schemas.openxmlformats.org/drawingml/2006/chart" xmlns:dgm="http://schemas.openxmlformats.org/drawingml/2006/diagram" xmlns:o="urn:schemas-microsoft-com:office:office" xmlns:v="urn:schemas-microsoft-com:vml" xmlns:pvml="urn:schemas-microsoft-com:office:powerpoint" xmlns:com="http://schemas.openxmlformats.org/drawingml/2006/compatibility" xmlns:p14="http://schemas.microsoft.com/office/powerpoint/2010/main" xmlns:p15="http://schemas.microsoft.com/office/powerpoint/2012/main" showMasterPhAnim="0" showMasterSp="0">
+<p:notes xmlns:a="http://schemas.openxmlformats.org/drawingml/2006/main" xmlns:r="http://schemas.openxmlformats.org/officeDocument/2006/relationships" xmlns:p="http://schemas.openxmlformats.org/presentationml/2006/main" showMasterSp="0" showMasterPhAnim="0">
   <p:cSld>
     <p:spTree>
       <p:nvGrpSpPr>
-        <p:cNvPr id="45" name="Shape 45"/>
+        <p:cNvPr id="1" name="Shape 45"/>
         <p:cNvGrpSpPr/>
         <p:nvPr/>
       </p:nvGrpSpPr>
@@ -2193,9 +2238,11 @@
       <p:sp>
         <p:nvSpPr>
           <p:cNvPr id="46" name="Google Shape;46;p5:notes"/>
-          <p:cNvSpPr txBox="1"/>
+          <p:cNvSpPr txBox="1">
+            <a:spLocks noGrp="1"/>
+          </p:cNvSpPr>
           <p:nvPr>
-            <p:ph idx="1" type="body"/>
+            <p:ph type="body" idx="1"/>
           </p:nvPr>
         </p:nvSpPr>
         <p:spPr>
@@ -2212,12 +2259,12 @@
           </a:ln>
         </p:spPr>
         <p:txBody>
-          <a:bodyPr anchorCtr="0" anchor="t" bIns="45700" lIns="91425" spcFirstLastPara="1" rIns="91425" wrap="square" tIns="45700">
+          <a:bodyPr spcFirstLastPara="1" wrap="square" lIns="91425" tIns="45700" rIns="91425" bIns="45700" anchor="t" anchorCtr="0">
             <a:noAutofit/>
           </a:bodyPr>
           <a:lstStyle/>
           <a:p>
-            <a:pPr indent="0" lvl="0" marL="0" rtl="0" algn="l">
+            <a:pPr marL="0" lvl="0" indent="0" algn="l" rtl="0">
               <a:lnSpc>
                 <a:spcPct val="100000"/>
               </a:lnSpc>
@@ -2234,9 +2281,6 @@
               <a:buFont typeface="Calibri"/>
               <a:buNone/>
             </a:pPr>
-            <a:r>
-              <a:t/>
-            </a:r>
             <a:endParaRPr/>
           </a:p>
         </p:txBody>
@@ -2244,9 +2288,11 @@
       <p:sp>
         <p:nvSpPr>
           <p:cNvPr id="47" name="Google Shape;47;p5:notes"/>
-          <p:cNvSpPr/>
+          <p:cNvSpPr>
+            <a:spLocks noGrp="1" noRot="1" noChangeAspect="1"/>
+          </p:cNvSpPr>
           <p:nvPr>
-            <p:ph idx="2" type="sldImg"/>
+            <p:ph type="sldImg" idx="2"/>
           </p:nvPr>
         </p:nvSpPr>
         <p:spPr>
@@ -2255,9 +2301,13 @@
             <a:ext cx="4935537" cy="3703638"/>
           </a:xfrm>
           <a:custGeom>
-            <a:rect b="b" l="l" r="r" t="t"/>
+            <a:avLst/>
+            <a:gdLst/>
+            <a:ahLst/>
+            <a:cxnLst/>
+            <a:rect l="l" t="t" r="r" b="b"/>
             <a:pathLst>
-              <a:path extrusionOk="0" h="120000" w="120000">
+              <a:path w="120000" h="120000" extrusionOk="0">
                 <a:moveTo>
                   <a:pt x="0" y="0"/>
                 </a:moveTo>
@@ -2275,14 +2325,14 @@
             </a:pathLst>
           </a:custGeom>
           <a:noFill/>
-          <a:ln cap="flat" cmpd="sng" w="12700">
+          <a:ln w="12700" cap="flat" cmpd="sng">
             <a:solidFill>
               <a:srgbClr val="000000"/>
             </a:solidFill>
             <a:prstDash val="solid"/>
             <a:round/>
-            <a:headEnd len="sm" w="sm" type="none"/>
-            <a:tailEnd len="sm" w="sm" type="none"/>
+            <a:headEnd type="none" w="sm" len="sm"/>
+            <a:tailEnd type="none" w="sm" len="sm"/>
           </a:ln>
         </p:spPr>
       </p:sp>
@@ -2295,11 +2345,11 @@
 </file>
 
 <file path=ppt/notesSlides/notesSlide6.xml><?xml version="1.0" encoding="utf-8"?>
-<p:notes xmlns:a="http://schemas.openxmlformats.org/drawingml/2006/main" xmlns:r="http://schemas.openxmlformats.org/officeDocument/2006/relationships" xmlns:mc="http://schemas.openxmlformats.org/markup-compatibility/2006" xmlns:mv="urn:schemas-microsoft-com:mac:vml" xmlns:p="http://schemas.openxmlformats.org/presentationml/2006/main" xmlns:c="http://schemas.openxmlformats.org/drawingml/2006/chart" xmlns:dgm="http://schemas.openxmlformats.org/drawingml/2006/diagram" xmlns:o="urn:schemas-microsoft-com:office:office" xmlns:v="urn:schemas-microsoft-com:vml" xmlns:pvml="urn:schemas-microsoft-com:office:powerpoint" xmlns:com="http://schemas.openxmlformats.org/drawingml/2006/compatibility" xmlns:p14="http://schemas.microsoft.com/office/powerpoint/2010/main" xmlns:p15="http://schemas.microsoft.com/office/powerpoint/2012/main" showMasterPhAnim="0" showMasterSp="0">
+<p:notes xmlns:a="http://schemas.openxmlformats.org/drawingml/2006/main" xmlns:r="http://schemas.openxmlformats.org/officeDocument/2006/relationships" xmlns:p="http://schemas.openxmlformats.org/presentationml/2006/main" showMasterSp="0" showMasterPhAnim="0">
   <p:cSld>
     <p:spTree>
       <p:nvGrpSpPr>
-        <p:cNvPr id="52" name="Shape 52"/>
+        <p:cNvPr id="1" name="Shape 52"/>
         <p:cNvGrpSpPr/>
         <p:nvPr/>
       </p:nvGrpSpPr>
@@ -2314,9 +2364,11 @@
       <p:sp>
         <p:nvSpPr>
           <p:cNvPr id="53" name="Google Shape;53;p6:notes"/>
-          <p:cNvSpPr txBox="1"/>
+          <p:cNvSpPr txBox="1">
+            <a:spLocks noGrp="1"/>
+          </p:cNvSpPr>
           <p:nvPr>
-            <p:ph idx="1" type="body"/>
+            <p:ph type="body" idx="1"/>
           </p:nvPr>
         </p:nvSpPr>
         <p:spPr>
@@ -2333,12 +2385,12 @@
           </a:ln>
         </p:spPr>
         <p:txBody>
-          <a:bodyPr anchorCtr="0" anchor="t" bIns="45700" lIns="91425" spcFirstLastPara="1" rIns="91425" wrap="square" tIns="45700">
+          <a:bodyPr spcFirstLastPara="1" wrap="square" lIns="91425" tIns="45700" rIns="91425" bIns="45700" anchor="t" anchorCtr="0">
             <a:noAutofit/>
           </a:bodyPr>
           <a:lstStyle/>
           <a:p>
-            <a:pPr indent="0" lvl="0" marL="0" rtl="0" algn="l">
+            <a:pPr marL="0" lvl="0" indent="0" algn="l" rtl="0">
               <a:lnSpc>
                 <a:spcPct val="100000"/>
               </a:lnSpc>
@@ -2351,9 +2403,6 @@
               <a:buSzPts val="1400"/>
               <a:buNone/>
             </a:pPr>
-            <a:r>
-              <a:t/>
-            </a:r>
             <a:endParaRPr/>
           </a:p>
         </p:txBody>
@@ -2361,9 +2410,11 @@
       <p:sp>
         <p:nvSpPr>
           <p:cNvPr id="54" name="Google Shape;54;p6:notes"/>
-          <p:cNvSpPr/>
+          <p:cNvSpPr>
+            <a:spLocks noGrp="1" noRot="1" noChangeAspect="1"/>
+          </p:cNvSpPr>
           <p:nvPr>
-            <p:ph idx="2" type="sldImg"/>
+            <p:ph type="sldImg" idx="2"/>
           </p:nvPr>
         </p:nvSpPr>
         <p:spPr>
@@ -2372,9 +2423,13 @@
             <a:ext cx="4935537" cy="3703638"/>
           </a:xfrm>
           <a:custGeom>
-            <a:rect b="b" l="l" r="r" t="t"/>
+            <a:avLst/>
+            <a:gdLst/>
+            <a:ahLst/>
+            <a:cxnLst/>
+            <a:rect l="l" t="t" r="r" b="b"/>
             <a:pathLst>
-              <a:path extrusionOk="0" h="120000" w="120000">
+              <a:path w="120000" h="120000" extrusionOk="0">
                 <a:moveTo>
                   <a:pt x="0" y="0"/>
                 </a:moveTo>
@@ -2392,14 +2447,14 @@
             </a:pathLst>
           </a:custGeom>
           <a:noFill/>
-          <a:ln cap="flat" cmpd="sng" w="12700">
+          <a:ln w="12700" cap="flat" cmpd="sng">
             <a:solidFill>
               <a:srgbClr val="000000"/>
             </a:solidFill>
             <a:prstDash val="solid"/>
             <a:round/>
-            <a:headEnd len="sm" w="sm" type="none"/>
-            <a:tailEnd len="sm" w="sm" type="none"/>
+            <a:headEnd type="none" w="sm" len="sm"/>
+            <a:tailEnd type="none" w="sm" len="sm"/>
           </a:ln>
         </p:spPr>
       </p:sp>
@@ -2412,11 +2467,11 @@
 </file>
 
 <file path=ppt/slideLayouts/slideLayout1.xml><?xml version="1.0" encoding="utf-8"?>
-<p:sldLayout xmlns:a="http://schemas.openxmlformats.org/drawingml/2006/main" xmlns:r="http://schemas.openxmlformats.org/officeDocument/2006/relationships" xmlns:mc="http://schemas.openxmlformats.org/markup-compatibility/2006" xmlns:mv="urn:schemas-microsoft-com:mac:vml" xmlns:p="http://schemas.openxmlformats.org/presentationml/2006/main" xmlns:c="http://schemas.openxmlformats.org/drawingml/2006/chart" xmlns:dgm="http://schemas.openxmlformats.org/drawingml/2006/diagram" xmlns:o="urn:schemas-microsoft-com:office:office" xmlns:v="urn:schemas-microsoft-com:vml" xmlns:pvml="urn:schemas-microsoft-com:office:powerpoint" xmlns:com="http://schemas.openxmlformats.org/drawingml/2006/compatibility" xmlns:p14="http://schemas.microsoft.com/office/powerpoint/2010/main" xmlns:p15="http://schemas.microsoft.com/office/powerpoint/2012/main" matchingName="Blank" type="blank">
+<p:sldLayout xmlns:a="http://schemas.openxmlformats.org/drawingml/2006/main" xmlns:r="http://schemas.openxmlformats.org/officeDocument/2006/relationships" xmlns:p="http://schemas.openxmlformats.org/presentationml/2006/main" matchingName="Blank" type="blank">
   <p:cSld name="BLANK">
     <p:spTree>
       <p:nvGrpSpPr>
-        <p:cNvPr id="13" name="Shape 13"/>
+        <p:cNvPr id="1" name="Shape 13"/>
         <p:cNvGrpSpPr/>
         <p:nvPr/>
       </p:nvGrpSpPr>
@@ -2450,12 +2505,12 @@
           </a:ln>
         </p:spPr>
         <p:txBody>
-          <a:bodyPr anchorCtr="0" anchor="t" bIns="45700" lIns="91425" spcFirstLastPara="1" rIns="91425" wrap="square" tIns="45700">
+          <a:bodyPr spcFirstLastPara="1" wrap="square" lIns="91425" tIns="45700" rIns="91425" bIns="45700" anchor="t" anchorCtr="0">
             <a:noAutofit/>
           </a:bodyPr>
           <a:lstStyle/>
           <a:p>
-            <a:pPr indent="0" lvl="0" marL="0" marR="0" rtl="0" algn="l">
+            <a:pPr marL="0" marR="0" lvl="0" indent="0" algn="l" rtl="0">
               <a:lnSpc>
                 <a:spcPct val="100000"/>
               </a:lnSpc>
@@ -2472,10 +2527,7 @@
               <a:buFont typeface="Arial"/>
               <a:buNone/>
             </a:pPr>
-            <a:r>
-              <a:t/>
-            </a:r>
-            <a:endParaRPr b="0" i="0" sz="1800" u="none" cap="none" strike="noStrike">
+            <a:endParaRPr sz="1800" b="0" i="0" u="none" strike="noStrike" cap="none">
               <a:solidFill>
                 <a:schemeClr val="dk1"/>
               </a:solidFill>
@@ -2486,7 +2538,7 @@
             </a:endParaRPr>
           </a:p>
           <a:p>
-            <a:pPr indent="0" lvl="0" marL="0" marR="0" rtl="0" algn="l">
+            <a:pPr marL="0" marR="0" lvl="0" indent="0" algn="l" rtl="0">
               <a:lnSpc>
                 <a:spcPct val="100000"/>
               </a:lnSpc>
@@ -2503,10 +2555,7 @@
               <a:buFont typeface="Arial"/>
               <a:buNone/>
             </a:pPr>
-            <a:r>
-              <a:t/>
-            </a:r>
-            <a:endParaRPr b="0" i="0" sz="1800" u="none" cap="none" strike="noStrike">
+            <a:endParaRPr sz="1800" b="0" i="0" u="none" strike="noStrike" cap="none">
               <a:solidFill>
                 <a:schemeClr val="dk1"/>
               </a:solidFill>
@@ -2517,7 +2566,7 @@
             </a:endParaRPr>
           </a:p>
           <a:p>
-            <a:pPr indent="0" lvl="0" marL="0" marR="0" rtl="0" algn="l">
+            <a:pPr marL="0" marR="0" lvl="0" indent="0" algn="l" rtl="0">
               <a:lnSpc>
                 <a:spcPct val="100000"/>
               </a:lnSpc>
@@ -2534,10 +2583,7 @@
               <a:buFont typeface="Arial"/>
               <a:buNone/>
             </a:pPr>
-            <a:r>
-              <a:t/>
-            </a:r>
-            <a:endParaRPr b="0" i="0" sz="1800" u="none" cap="none" strike="noStrike">
+            <a:endParaRPr sz="1800" b="0" i="0" u="none" strike="noStrike" cap="none">
               <a:solidFill>
                 <a:schemeClr val="dk1"/>
               </a:solidFill>
@@ -2548,7 +2594,7 @@
             </a:endParaRPr>
           </a:p>
           <a:p>
-            <a:pPr indent="0" lvl="0" marL="0" marR="0" rtl="0" algn="l">
+            <a:pPr marL="0" marR="0" lvl="0" indent="0" algn="l" rtl="0">
               <a:lnSpc>
                 <a:spcPct val="100000"/>
               </a:lnSpc>
@@ -2565,10 +2611,7 @@
               <a:buFont typeface="Arial"/>
               <a:buNone/>
             </a:pPr>
-            <a:r>
-              <a:t/>
-            </a:r>
-            <a:endParaRPr b="0" i="0" sz="1800" u="none" cap="none" strike="noStrike">
+            <a:endParaRPr sz="1800" b="0" i="0" u="none" strike="noStrike" cap="none">
               <a:solidFill>
                 <a:schemeClr val="dk1"/>
               </a:solidFill>
@@ -2582,7 +2625,7 @@
       </p:sp>
       <p:pic>
         <p:nvPicPr>
-          <p:cNvPr descr="https://lh4.googleusercontent.com/proxy/YA9Xoqs7jhpeuwrEjwhdi_EVSCDwUdpr72V-2YHZ2lz2y1FaqityK8c8RlZRTvUDEw3Y2TekyGNi07wcREil5Ez3ii80dA-DE8G6HAQjEmJVz8W32Wy2uaDAWwuZs6uPZtJp2zrUJ_Qps2T1CUmSpuPR8dk2XA=w128-h144-k-no" id="15" name="Google Shape;15;p2"/>
+          <p:cNvPr id="15" name="Google Shape;15;p2" descr="https://lh4.googleusercontent.com/proxy/YA9Xoqs7jhpeuwrEjwhdi_EVSCDwUdpr72V-2YHZ2lz2y1FaqityK8c8RlZRTvUDEw3Y2TekyGNi07wcREil5Ez3ii80dA-DE8G6HAQjEmJVz8W32Wy2uaDAWwuZs6uPZtJp2zrUJ_Qps2T1CUmSpuPR8dk2XA=w128-h144-k-no"/>
           <p:cNvPicPr preferRelativeResize="0"/>
           <p:nvPr/>
         </p:nvPicPr>
@@ -2590,7 +2633,7 @@
           <a:blip r:embed="rId2">
             <a:alphaModFix/>
           </a:blip>
-          <a:srcRect b="0" l="0" r="0" t="0"/>
+          <a:srcRect/>
           <a:stretch/>
         </p:blipFill>
         <p:spPr>
@@ -2617,7 +2660,7 @@
           <a:blip r:embed="rId3">
             <a:alphaModFix/>
           </a:blip>
-          <a:srcRect b="0" l="0" r="0" t="0"/>
+          <a:srcRect/>
           <a:stretch/>
         </p:blipFill>
         <p:spPr>
@@ -2644,7 +2687,7 @@
           <a:blip r:embed="rId4">
             <a:alphaModFix/>
           </a:blip>
-          <a:srcRect b="0" l="0" r="0" t="0"/>
+          <a:srcRect/>
           <a:stretch/>
         </p:blipFill>
         <p:spPr>
@@ -2670,18 +2713,19 @@
 </file>
 
 <file path=ppt/slideMasters/slideMaster1.xml><?xml version="1.0" encoding="utf-8"?>
-<p:sldMaster xmlns:a="http://schemas.openxmlformats.org/drawingml/2006/main" xmlns:r="http://schemas.openxmlformats.org/officeDocument/2006/relationships" xmlns:mc="http://schemas.openxmlformats.org/markup-compatibility/2006" xmlns:mv="urn:schemas-microsoft-com:mac:vml" xmlns:p="http://schemas.openxmlformats.org/presentationml/2006/main" xmlns:c="http://schemas.openxmlformats.org/drawingml/2006/chart" xmlns:dgm="http://schemas.openxmlformats.org/drawingml/2006/diagram" xmlns:o="urn:schemas-microsoft-com:office:office" xmlns:v="urn:schemas-microsoft-com:vml" xmlns:pvml="urn:schemas-microsoft-com:office:powerpoint" xmlns:com="http://schemas.openxmlformats.org/drawingml/2006/compatibility" xmlns:p14="http://schemas.microsoft.com/office/powerpoint/2010/main" xmlns:p15="http://schemas.microsoft.com/office/powerpoint/2012/main">
+<p:sldMaster xmlns:a="http://schemas.openxmlformats.org/drawingml/2006/main" xmlns:r="http://schemas.openxmlformats.org/officeDocument/2006/relationships" xmlns:p="http://schemas.openxmlformats.org/presentationml/2006/main">
   <p:cSld>
     <p:bg>
       <p:bgPr>
         <a:solidFill>
           <a:schemeClr val="lt1"/>
         </a:solidFill>
+        <a:effectLst/>
       </p:bgPr>
     </p:bg>
     <p:spTree>
       <p:nvGrpSpPr>
-        <p:cNvPr id="9" name="Shape 9"/>
+        <p:cNvPr id="1" name="Shape 9"/>
         <p:cNvGrpSpPr/>
         <p:nvPr/>
       </p:nvGrpSpPr>
@@ -2700,10 +2744,10 @@
           <p:nvPr/>
         </p:nvPicPr>
         <p:blipFill rotWithShape="1">
-          <a:blip r:embed="rId1">
+          <a:blip r:embed="rId3">
             <a:alphaModFix/>
           </a:blip>
-          <a:srcRect b="0" l="0" r="0" t="0"/>
+          <a:srcRect/>
           <a:stretch/>
         </p:blipFill>
         <p:spPr>
@@ -2742,12 +2786,12 @@
           </a:ln>
         </p:spPr>
         <p:txBody>
-          <a:bodyPr anchorCtr="0" anchor="t" bIns="45700" lIns="91425" spcFirstLastPara="1" rIns="91425" wrap="square" tIns="45700">
+          <a:bodyPr spcFirstLastPara="1" wrap="square" lIns="91425" tIns="45700" rIns="91425" bIns="45700" anchor="t" anchorCtr="0">
             <a:noAutofit/>
           </a:bodyPr>
           <a:lstStyle/>
           <a:p>
-            <a:pPr indent="0" lvl="0" marL="0" marR="0" rtl="0" algn="l">
+            <a:pPr marL="0" marR="0" lvl="0" indent="0" algn="l" rtl="0">
               <a:lnSpc>
                 <a:spcPct val="100000"/>
               </a:lnSpc>
@@ -2764,10 +2808,7 @@
               <a:buFont typeface="Arial"/>
               <a:buNone/>
             </a:pPr>
-            <a:r>
-              <a:t/>
-            </a:r>
-            <a:endParaRPr b="0" i="0" sz="1800" u="none" cap="none" strike="noStrike">
+            <a:endParaRPr sz="1800" b="0" i="0" u="none" strike="noStrike" cap="none">
               <a:solidFill>
                 <a:schemeClr val="dk1"/>
               </a:solidFill>
@@ -2778,7 +2819,7 @@
             </a:endParaRPr>
           </a:p>
           <a:p>
-            <a:pPr indent="0" lvl="0" marL="0" marR="0" rtl="0" algn="l">
+            <a:pPr marL="0" marR="0" lvl="0" indent="0" algn="l" rtl="0">
               <a:lnSpc>
                 <a:spcPct val="100000"/>
               </a:lnSpc>
@@ -2795,10 +2836,7 @@
               <a:buFont typeface="Arial"/>
               <a:buNone/>
             </a:pPr>
-            <a:r>
-              <a:t/>
-            </a:r>
-            <a:endParaRPr b="0" i="0" sz="1800" u="none" cap="none" strike="noStrike">
+            <a:endParaRPr sz="1800" b="0" i="0" u="none" strike="noStrike" cap="none">
               <a:solidFill>
                 <a:schemeClr val="dk1"/>
               </a:solidFill>
@@ -2809,7 +2847,7 @@
             </a:endParaRPr>
           </a:p>
           <a:p>
-            <a:pPr indent="0" lvl="0" marL="0" marR="0" rtl="0" algn="l">
+            <a:pPr marL="0" marR="0" lvl="0" indent="0" algn="l" rtl="0">
               <a:lnSpc>
                 <a:spcPct val="100000"/>
               </a:lnSpc>
@@ -2826,10 +2864,7 @@
               <a:buFont typeface="Arial"/>
               <a:buNone/>
             </a:pPr>
-            <a:r>
-              <a:t/>
-            </a:r>
-            <a:endParaRPr b="0" i="0" sz="1800" u="none" cap="none" strike="noStrike">
+            <a:endParaRPr sz="1800" b="0" i="0" u="none" strike="noStrike" cap="none">
               <a:solidFill>
                 <a:schemeClr val="dk1"/>
               </a:solidFill>
@@ -2840,7 +2875,7 @@
             </a:endParaRPr>
           </a:p>
           <a:p>
-            <a:pPr indent="0" lvl="0" marL="0" marR="0" rtl="0" algn="l">
+            <a:pPr marL="0" marR="0" lvl="0" indent="0" algn="l" rtl="0">
               <a:lnSpc>
                 <a:spcPct val="100000"/>
               </a:lnSpc>
@@ -2857,10 +2892,7 @@
               <a:buFont typeface="Arial"/>
               <a:buNone/>
             </a:pPr>
-            <a:r>
-              <a:t/>
-            </a:r>
-            <a:endParaRPr b="0" i="0" sz="1800" u="none" cap="none" strike="noStrike">
+            <a:endParaRPr sz="1800" b="0" i="0" u="none" strike="noStrike" cap="none">
               <a:solidFill>
                 <a:schemeClr val="dk1"/>
               </a:solidFill>
@@ -2874,15 +2906,15 @@
       </p:sp>
       <p:pic>
         <p:nvPicPr>
-          <p:cNvPr descr="https://lh4.googleusercontent.com/proxy/YA9Xoqs7jhpeuwrEjwhdi_EVSCDwUdpr72V-2YHZ2lz2y1FaqityK8c8RlZRTvUDEw3Y2TekyGNi07wcREil5Ez3ii80dA-DE8G6HAQjEmJVz8W32Wy2uaDAWwuZs6uPZtJp2zrUJ_Qps2T1CUmSpuPR8dk2XA=w128-h144-k-no" id="12" name="Google Shape;12;p1"/>
+          <p:cNvPr id="12" name="Google Shape;12;p1" descr="https://lh4.googleusercontent.com/proxy/YA9Xoqs7jhpeuwrEjwhdi_EVSCDwUdpr72V-2YHZ2lz2y1FaqityK8c8RlZRTvUDEw3Y2TekyGNi07wcREil5Ez3ii80dA-DE8G6HAQjEmJVz8W32Wy2uaDAWwuZs6uPZtJp2zrUJ_Qps2T1CUmSpuPR8dk2XA=w128-h144-k-no"/>
           <p:cNvPicPr preferRelativeResize="0"/>
           <p:nvPr/>
         </p:nvPicPr>
         <p:blipFill rotWithShape="1">
-          <a:blip r:embed="rId2">
+          <a:blip r:embed="rId4">
             <a:alphaModFix/>
           </a:blip>
-          <a:srcRect b="0" l="0" r="0" t="0"/>
+          <a:srcRect/>
           <a:stretch/>
         </p:blipFill>
         <p:spPr>
@@ -2901,14 +2933,14 @@
       </p:pic>
     </p:spTree>
   </p:cSld>
-  <p:clrMap accent1="accent1" accent2="accent2" accent3="accent3" accent4="accent4" accent5="accent5" accent6="accent6" bg1="lt1" bg2="dk2" tx1="dk1" tx2="lt2" folHlink="folHlink" hlink="hlink"/>
+  <p:clrMap bg1="lt1" tx1="dk1" bg2="dk2" tx2="lt2" accent1="accent1" accent2="accent2" accent3="accent3" accent4="accent4" accent5="accent5" accent6="accent6" hlink="hlink" folHlink="folHlink"/>
   <p:sldLayoutIdLst>
-    <p:sldLayoutId id="2147483648" r:id="rId3"/>
+    <p:sldLayoutId id="2147483648" r:id="rId1"/>
   </p:sldLayoutIdLst>
-  <p:hf dt="0" ftr="0" hdr="0" sldNum="0"/>
+  <p:hf sldNum="0" hdr="0" ftr="0" dt="0"/>
   <p:txStyles>
     <p:titleStyle>
-      <a:defPPr lvl="0" marR="0" rtl="0" algn="l">
+      <a:defPPr marR="0" lvl="0" algn="l" rtl="0">
         <a:lnSpc>
           <a:spcPct val="100000"/>
         </a:lnSpc>
@@ -2919,7 +2951,7 @@
           <a:spcPts val="0"/>
         </a:spcAft>
       </a:defPPr>
-      <a:lvl1pPr lvl="0" marR="0" rtl="0" algn="l">
+      <a:lvl1pPr marR="0" lvl="0" algn="l" rtl="0">
         <a:lnSpc>
           <a:spcPct val="100000"/>
         </a:lnSpc>
@@ -2933,7 +2965,7 @@
           <a:srgbClr val="000000"/>
         </a:buClr>
         <a:buFont typeface="Arial"/>
-        <a:defRPr b="0" i="0" sz="1400" u="none" cap="none" strike="noStrike">
+        <a:defRPr sz="1400" b="0" i="0" u="none" strike="noStrike" cap="none">
           <a:solidFill>
             <a:srgbClr val="000000"/>
           </a:solidFill>
@@ -2943,7 +2975,7 @@
           <a:sym typeface="Arial"/>
         </a:defRPr>
       </a:lvl1pPr>
-      <a:lvl2pPr lvl="1" marR="0" rtl="0" algn="l">
+      <a:lvl2pPr marR="0" lvl="1" algn="l" rtl="0">
         <a:lnSpc>
           <a:spcPct val="100000"/>
         </a:lnSpc>
@@ -2957,7 +2989,7 @@
           <a:srgbClr val="000000"/>
         </a:buClr>
         <a:buFont typeface="Arial"/>
-        <a:defRPr b="0" i="0" sz="1400" u="none" cap="none" strike="noStrike">
+        <a:defRPr sz="1400" b="0" i="0" u="none" strike="noStrike" cap="none">
           <a:solidFill>
             <a:srgbClr val="000000"/>
           </a:solidFill>
@@ -2967,7 +2999,7 @@
           <a:sym typeface="Arial"/>
         </a:defRPr>
       </a:lvl2pPr>
-      <a:lvl3pPr lvl="2" marR="0" rtl="0" algn="l">
+      <a:lvl3pPr marR="0" lvl="2" algn="l" rtl="0">
         <a:lnSpc>
           <a:spcPct val="100000"/>
         </a:lnSpc>
@@ -2981,7 +3013,7 @@
           <a:srgbClr val="000000"/>
         </a:buClr>
         <a:buFont typeface="Arial"/>
-        <a:defRPr b="0" i="0" sz="1400" u="none" cap="none" strike="noStrike">
+        <a:defRPr sz="1400" b="0" i="0" u="none" strike="noStrike" cap="none">
           <a:solidFill>
             <a:srgbClr val="000000"/>
           </a:solidFill>
@@ -2991,7 +3023,7 @@
           <a:sym typeface="Arial"/>
         </a:defRPr>
       </a:lvl3pPr>
-      <a:lvl4pPr lvl="3" marR="0" rtl="0" algn="l">
+      <a:lvl4pPr marR="0" lvl="3" algn="l" rtl="0">
         <a:lnSpc>
           <a:spcPct val="100000"/>
         </a:lnSpc>
@@ -3005,7 +3037,7 @@
           <a:srgbClr val="000000"/>
         </a:buClr>
         <a:buFont typeface="Arial"/>
-        <a:defRPr b="0" i="0" sz="1400" u="none" cap="none" strike="noStrike">
+        <a:defRPr sz="1400" b="0" i="0" u="none" strike="noStrike" cap="none">
           <a:solidFill>
             <a:srgbClr val="000000"/>
           </a:solidFill>
@@ -3015,7 +3047,7 @@
           <a:sym typeface="Arial"/>
         </a:defRPr>
       </a:lvl4pPr>
-      <a:lvl5pPr lvl="4" marR="0" rtl="0" algn="l">
+      <a:lvl5pPr marR="0" lvl="4" algn="l" rtl="0">
         <a:lnSpc>
           <a:spcPct val="100000"/>
         </a:lnSpc>
@@ -3029,7 +3061,7 @@
           <a:srgbClr val="000000"/>
         </a:buClr>
         <a:buFont typeface="Arial"/>
-        <a:defRPr b="0" i="0" sz="1400" u="none" cap="none" strike="noStrike">
+        <a:defRPr sz="1400" b="0" i="0" u="none" strike="noStrike" cap="none">
           <a:solidFill>
             <a:srgbClr val="000000"/>
           </a:solidFill>
@@ -3039,7 +3071,7 @@
           <a:sym typeface="Arial"/>
         </a:defRPr>
       </a:lvl5pPr>
-      <a:lvl6pPr lvl="5" marR="0" rtl="0" algn="l">
+      <a:lvl6pPr marR="0" lvl="5" algn="l" rtl="0">
         <a:lnSpc>
           <a:spcPct val="100000"/>
         </a:lnSpc>
@@ -3053,7 +3085,7 @@
           <a:srgbClr val="000000"/>
         </a:buClr>
         <a:buFont typeface="Arial"/>
-        <a:defRPr b="0" i="0" sz="1400" u="none" cap="none" strike="noStrike">
+        <a:defRPr sz="1400" b="0" i="0" u="none" strike="noStrike" cap="none">
           <a:solidFill>
             <a:srgbClr val="000000"/>
           </a:solidFill>
@@ -3063,7 +3095,7 @@
           <a:sym typeface="Arial"/>
         </a:defRPr>
       </a:lvl6pPr>
-      <a:lvl7pPr lvl="6" marR="0" rtl="0" algn="l">
+      <a:lvl7pPr marR="0" lvl="6" algn="l" rtl="0">
         <a:lnSpc>
           <a:spcPct val="100000"/>
         </a:lnSpc>
@@ -3077,7 +3109,7 @@
           <a:srgbClr val="000000"/>
         </a:buClr>
         <a:buFont typeface="Arial"/>
-        <a:defRPr b="0" i="0" sz="1400" u="none" cap="none" strike="noStrike">
+        <a:defRPr sz="1400" b="0" i="0" u="none" strike="noStrike" cap="none">
           <a:solidFill>
             <a:srgbClr val="000000"/>
           </a:solidFill>
@@ -3087,7 +3119,7 @@
           <a:sym typeface="Arial"/>
         </a:defRPr>
       </a:lvl7pPr>
-      <a:lvl8pPr lvl="7" marR="0" rtl="0" algn="l">
+      <a:lvl8pPr marR="0" lvl="7" algn="l" rtl="0">
         <a:lnSpc>
           <a:spcPct val="100000"/>
         </a:lnSpc>
@@ -3101,7 +3133,7 @@
           <a:srgbClr val="000000"/>
         </a:buClr>
         <a:buFont typeface="Arial"/>
-        <a:defRPr b="0" i="0" sz="1400" u="none" cap="none" strike="noStrike">
+        <a:defRPr sz="1400" b="0" i="0" u="none" strike="noStrike" cap="none">
           <a:solidFill>
             <a:srgbClr val="000000"/>
           </a:solidFill>
@@ -3111,7 +3143,7 @@
           <a:sym typeface="Arial"/>
         </a:defRPr>
       </a:lvl8pPr>
-      <a:lvl9pPr lvl="8" marR="0" rtl="0" algn="l">
+      <a:lvl9pPr marR="0" lvl="8" algn="l" rtl="0">
         <a:lnSpc>
           <a:spcPct val="100000"/>
         </a:lnSpc>
@@ -3125,7 +3157,7 @@
           <a:srgbClr val="000000"/>
         </a:buClr>
         <a:buFont typeface="Arial"/>
-        <a:defRPr b="0" i="0" sz="1400" u="none" cap="none" strike="noStrike">
+        <a:defRPr sz="1400" b="0" i="0" u="none" strike="noStrike" cap="none">
           <a:solidFill>
             <a:srgbClr val="000000"/>
           </a:solidFill>
@@ -3137,7 +3169,7 @@
       </a:lvl9pPr>
     </p:titleStyle>
     <p:bodyStyle>
-      <a:defPPr lvl="0" marR="0" rtl="0" algn="l">
+      <a:defPPr marR="0" lvl="0" algn="l" rtl="0">
         <a:lnSpc>
           <a:spcPct val="100000"/>
         </a:lnSpc>
@@ -3148,7 +3180,7 @@
           <a:spcPts val="0"/>
         </a:spcAft>
       </a:defPPr>
-      <a:lvl1pPr lvl="0" marR="0" rtl="0" algn="l">
+      <a:lvl1pPr marR="0" lvl="0" algn="l" rtl="0">
         <a:lnSpc>
           <a:spcPct val="100000"/>
         </a:lnSpc>
@@ -3162,7 +3194,7 @@
           <a:srgbClr val="000000"/>
         </a:buClr>
         <a:buFont typeface="Arial"/>
-        <a:defRPr b="0" i="0" sz="1400" u="none" cap="none" strike="noStrike">
+        <a:defRPr sz="1400" b="0" i="0" u="none" strike="noStrike" cap="none">
           <a:solidFill>
             <a:srgbClr val="000000"/>
           </a:solidFill>
@@ -3172,7 +3204,7 @@
           <a:sym typeface="Arial"/>
         </a:defRPr>
       </a:lvl1pPr>
-      <a:lvl2pPr lvl="1" marR="0" rtl="0" algn="l">
+      <a:lvl2pPr marR="0" lvl="1" algn="l" rtl="0">
         <a:lnSpc>
           <a:spcPct val="100000"/>
         </a:lnSpc>
@@ -3186,7 +3218,7 @@
           <a:srgbClr val="000000"/>
         </a:buClr>
         <a:buFont typeface="Arial"/>
-        <a:defRPr b="0" i="0" sz="1400" u="none" cap="none" strike="noStrike">
+        <a:defRPr sz="1400" b="0" i="0" u="none" strike="noStrike" cap="none">
           <a:solidFill>
             <a:srgbClr val="000000"/>
           </a:solidFill>
@@ -3196,7 +3228,7 @@
           <a:sym typeface="Arial"/>
         </a:defRPr>
       </a:lvl2pPr>
-      <a:lvl3pPr lvl="2" marR="0" rtl="0" algn="l">
+      <a:lvl3pPr marR="0" lvl="2" algn="l" rtl="0">
         <a:lnSpc>
           <a:spcPct val="100000"/>
         </a:lnSpc>
@@ -3210,7 +3242,7 @@
           <a:srgbClr val="000000"/>
         </a:buClr>
         <a:buFont typeface="Arial"/>
-        <a:defRPr b="0" i="0" sz="1400" u="none" cap="none" strike="noStrike">
+        <a:defRPr sz="1400" b="0" i="0" u="none" strike="noStrike" cap="none">
           <a:solidFill>
             <a:srgbClr val="000000"/>
           </a:solidFill>
@@ -3220,7 +3252,7 @@
           <a:sym typeface="Arial"/>
         </a:defRPr>
       </a:lvl3pPr>
-      <a:lvl4pPr lvl="3" marR="0" rtl="0" algn="l">
+      <a:lvl4pPr marR="0" lvl="3" algn="l" rtl="0">
         <a:lnSpc>
           <a:spcPct val="100000"/>
         </a:lnSpc>
@@ -3234,7 +3266,7 @@
           <a:srgbClr val="000000"/>
         </a:buClr>
         <a:buFont typeface="Arial"/>
-        <a:defRPr b="0" i="0" sz="1400" u="none" cap="none" strike="noStrike">
+        <a:defRPr sz="1400" b="0" i="0" u="none" strike="noStrike" cap="none">
           <a:solidFill>
             <a:srgbClr val="000000"/>
           </a:solidFill>
@@ -3244,7 +3276,7 @@
           <a:sym typeface="Arial"/>
         </a:defRPr>
       </a:lvl4pPr>
-      <a:lvl5pPr lvl="4" marR="0" rtl="0" algn="l">
+      <a:lvl5pPr marR="0" lvl="4" algn="l" rtl="0">
         <a:lnSpc>
           <a:spcPct val="100000"/>
         </a:lnSpc>
@@ -3258,7 +3290,7 @@
           <a:srgbClr val="000000"/>
         </a:buClr>
         <a:buFont typeface="Arial"/>
-        <a:defRPr b="0" i="0" sz="1400" u="none" cap="none" strike="noStrike">
+        <a:defRPr sz="1400" b="0" i="0" u="none" strike="noStrike" cap="none">
           <a:solidFill>
             <a:srgbClr val="000000"/>
           </a:solidFill>
@@ -3268,7 +3300,7 @@
           <a:sym typeface="Arial"/>
         </a:defRPr>
       </a:lvl5pPr>
-      <a:lvl6pPr lvl="5" marR="0" rtl="0" algn="l">
+      <a:lvl6pPr marR="0" lvl="5" algn="l" rtl="0">
         <a:lnSpc>
           <a:spcPct val="100000"/>
         </a:lnSpc>
@@ -3282,7 +3314,7 @@
           <a:srgbClr val="000000"/>
         </a:buClr>
         <a:buFont typeface="Arial"/>
-        <a:defRPr b="0" i="0" sz="1400" u="none" cap="none" strike="noStrike">
+        <a:defRPr sz="1400" b="0" i="0" u="none" strike="noStrike" cap="none">
           <a:solidFill>
             <a:srgbClr val="000000"/>
           </a:solidFill>
@@ -3292,7 +3324,7 @@
           <a:sym typeface="Arial"/>
         </a:defRPr>
       </a:lvl6pPr>
-      <a:lvl7pPr lvl="6" marR="0" rtl="0" algn="l">
+      <a:lvl7pPr marR="0" lvl="6" algn="l" rtl="0">
         <a:lnSpc>
           <a:spcPct val="100000"/>
         </a:lnSpc>
@@ -3306,7 +3338,7 @@
           <a:srgbClr val="000000"/>
         </a:buClr>
         <a:buFont typeface="Arial"/>
-        <a:defRPr b="0" i="0" sz="1400" u="none" cap="none" strike="noStrike">
+        <a:defRPr sz="1400" b="0" i="0" u="none" strike="noStrike" cap="none">
           <a:solidFill>
             <a:srgbClr val="000000"/>
           </a:solidFill>
@@ -3316,7 +3348,7 @@
           <a:sym typeface="Arial"/>
         </a:defRPr>
       </a:lvl7pPr>
-      <a:lvl8pPr lvl="7" marR="0" rtl="0" algn="l">
+      <a:lvl8pPr marR="0" lvl="7" algn="l" rtl="0">
         <a:lnSpc>
           <a:spcPct val="100000"/>
         </a:lnSpc>
@@ -3330,7 +3362,7 @@
           <a:srgbClr val="000000"/>
         </a:buClr>
         <a:buFont typeface="Arial"/>
-        <a:defRPr b="0" i="0" sz="1400" u="none" cap="none" strike="noStrike">
+        <a:defRPr sz="1400" b="0" i="0" u="none" strike="noStrike" cap="none">
           <a:solidFill>
             <a:srgbClr val="000000"/>
           </a:solidFill>
@@ -3340,7 +3372,7 @@
           <a:sym typeface="Arial"/>
         </a:defRPr>
       </a:lvl8pPr>
-      <a:lvl9pPr lvl="8" marR="0" rtl="0" algn="l">
+      <a:lvl9pPr marR="0" lvl="8" algn="l" rtl="0">
         <a:lnSpc>
           <a:spcPct val="100000"/>
         </a:lnSpc>
@@ -3354,7 +3386,7 @@
           <a:srgbClr val="000000"/>
         </a:buClr>
         <a:buFont typeface="Arial"/>
-        <a:defRPr b="0" i="0" sz="1400" u="none" cap="none" strike="noStrike">
+        <a:defRPr sz="1400" b="0" i="0" u="none" strike="noStrike" cap="none">
           <a:solidFill>
             <a:srgbClr val="000000"/>
           </a:solidFill>
@@ -3366,7 +3398,7 @@
       </a:lvl9pPr>
     </p:bodyStyle>
     <p:otherStyle>
-      <a:defPPr lvl="0" marR="0" rtl="0" algn="l">
+      <a:defPPr marR="0" lvl="0" algn="l" rtl="0">
         <a:lnSpc>
           <a:spcPct val="100000"/>
         </a:lnSpc>
@@ -3377,7 +3409,7 @@
           <a:spcPts val="0"/>
         </a:spcAft>
       </a:defPPr>
-      <a:lvl1pPr lvl="0" marR="0" rtl="0" algn="l">
+      <a:lvl1pPr marR="0" lvl="0" algn="l" rtl="0">
         <a:lnSpc>
           <a:spcPct val="100000"/>
         </a:lnSpc>
@@ -3391,7 +3423,7 @@
           <a:srgbClr val="000000"/>
         </a:buClr>
         <a:buFont typeface="Arial"/>
-        <a:defRPr b="0" i="0" sz="1400" u="none" cap="none" strike="noStrike">
+        <a:defRPr sz="1400" b="0" i="0" u="none" strike="noStrike" cap="none">
           <a:solidFill>
             <a:srgbClr val="000000"/>
           </a:solidFill>
@@ -3401,7 +3433,7 @@
           <a:sym typeface="Arial"/>
         </a:defRPr>
       </a:lvl1pPr>
-      <a:lvl2pPr lvl="1" marR="0" rtl="0" algn="l">
+      <a:lvl2pPr marR="0" lvl="1" algn="l" rtl="0">
         <a:lnSpc>
           <a:spcPct val="100000"/>
         </a:lnSpc>
@@ -3415,7 +3447,7 @@
           <a:srgbClr val="000000"/>
         </a:buClr>
         <a:buFont typeface="Arial"/>
-        <a:defRPr b="0" i="0" sz="1400" u="none" cap="none" strike="noStrike">
+        <a:defRPr sz="1400" b="0" i="0" u="none" strike="noStrike" cap="none">
           <a:solidFill>
             <a:srgbClr val="000000"/>
           </a:solidFill>
@@ -3425,7 +3457,7 @@
           <a:sym typeface="Arial"/>
         </a:defRPr>
       </a:lvl2pPr>
-      <a:lvl3pPr lvl="2" marR="0" rtl="0" algn="l">
+      <a:lvl3pPr marR="0" lvl="2" algn="l" rtl="0">
         <a:lnSpc>
           <a:spcPct val="100000"/>
         </a:lnSpc>
@@ -3439,7 +3471,7 @@
           <a:srgbClr val="000000"/>
         </a:buClr>
         <a:buFont typeface="Arial"/>
-        <a:defRPr b="0" i="0" sz="1400" u="none" cap="none" strike="noStrike">
+        <a:defRPr sz="1400" b="0" i="0" u="none" strike="noStrike" cap="none">
           <a:solidFill>
             <a:srgbClr val="000000"/>
           </a:solidFill>
@@ -3449,7 +3481,7 @@
           <a:sym typeface="Arial"/>
         </a:defRPr>
       </a:lvl3pPr>
-      <a:lvl4pPr lvl="3" marR="0" rtl="0" algn="l">
+      <a:lvl4pPr marR="0" lvl="3" algn="l" rtl="0">
         <a:lnSpc>
           <a:spcPct val="100000"/>
         </a:lnSpc>
@@ -3463,7 +3495,7 @@
           <a:srgbClr val="000000"/>
         </a:buClr>
         <a:buFont typeface="Arial"/>
-        <a:defRPr b="0" i="0" sz="1400" u="none" cap="none" strike="noStrike">
+        <a:defRPr sz="1400" b="0" i="0" u="none" strike="noStrike" cap="none">
           <a:solidFill>
             <a:srgbClr val="000000"/>
           </a:solidFill>
@@ -3473,7 +3505,7 @@
           <a:sym typeface="Arial"/>
         </a:defRPr>
       </a:lvl4pPr>
-      <a:lvl5pPr lvl="4" marR="0" rtl="0" algn="l">
+      <a:lvl5pPr marR="0" lvl="4" algn="l" rtl="0">
         <a:lnSpc>
           <a:spcPct val="100000"/>
         </a:lnSpc>
@@ -3487,7 +3519,7 @@
           <a:srgbClr val="000000"/>
         </a:buClr>
         <a:buFont typeface="Arial"/>
-        <a:defRPr b="0" i="0" sz="1400" u="none" cap="none" strike="noStrike">
+        <a:defRPr sz="1400" b="0" i="0" u="none" strike="noStrike" cap="none">
           <a:solidFill>
             <a:srgbClr val="000000"/>
           </a:solidFill>
@@ -3497,7 +3529,7 @@
           <a:sym typeface="Arial"/>
         </a:defRPr>
       </a:lvl5pPr>
-      <a:lvl6pPr lvl="5" marR="0" rtl="0" algn="l">
+      <a:lvl6pPr marR="0" lvl="5" algn="l" rtl="0">
         <a:lnSpc>
           <a:spcPct val="100000"/>
         </a:lnSpc>
@@ -3511,7 +3543,7 @@
           <a:srgbClr val="000000"/>
         </a:buClr>
         <a:buFont typeface="Arial"/>
-        <a:defRPr b="0" i="0" sz="1400" u="none" cap="none" strike="noStrike">
+        <a:defRPr sz="1400" b="0" i="0" u="none" strike="noStrike" cap="none">
           <a:solidFill>
             <a:srgbClr val="000000"/>
           </a:solidFill>
@@ -3521,7 +3553,7 @@
           <a:sym typeface="Arial"/>
         </a:defRPr>
       </a:lvl6pPr>
-      <a:lvl7pPr lvl="6" marR="0" rtl="0" algn="l">
+      <a:lvl7pPr marR="0" lvl="6" algn="l" rtl="0">
         <a:lnSpc>
           <a:spcPct val="100000"/>
         </a:lnSpc>
@@ -3535,7 +3567,7 @@
           <a:srgbClr val="000000"/>
         </a:buClr>
         <a:buFont typeface="Arial"/>
-        <a:defRPr b="0" i="0" sz="1400" u="none" cap="none" strike="noStrike">
+        <a:defRPr sz="1400" b="0" i="0" u="none" strike="noStrike" cap="none">
           <a:solidFill>
             <a:srgbClr val="000000"/>
           </a:solidFill>
@@ -3545,7 +3577,7 @@
           <a:sym typeface="Arial"/>
         </a:defRPr>
       </a:lvl7pPr>
-      <a:lvl8pPr lvl="7" marR="0" rtl="0" algn="l">
+      <a:lvl8pPr marR="0" lvl="7" algn="l" rtl="0">
         <a:lnSpc>
           <a:spcPct val="100000"/>
         </a:lnSpc>
@@ -3559,7 +3591,7 @@
           <a:srgbClr val="000000"/>
         </a:buClr>
         <a:buFont typeface="Arial"/>
-        <a:defRPr b="0" i="0" sz="1400" u="none" cap="none" strike="noStrike">
+        <a:defRPr sz="1400" b="0" i="0" u="none" strike="noStrike" cap="none">
           <a:solidFill>
             <a:srgbClr val="000000"/>
           </a:solidFill>
@@ -3569,7 +3601,7 @@
           <a:sym typeface="Arial"/>
         </a:defRPr>
       </a:lvl8pPr>
-      <a:lvl9pPr lvl="8" marR="0" rtl="0" algn="l">
+      <a:lvl9pPr marR="0" lvl="8" algn="l" rtl="0">
         <a:lnSpc>
           <a:spcPct val="100000"/>
         </a:lnSpc>
@@ -3583,7 +3615,7 @@
           <a:srgbClr val="000000"/>
         </a:buClr>
         <a:buFont typeface="Arial"/>
-        <a:defRPr b="0" i="0" sz="1400" u="none" cap="none" strike="noStrike">
+        <a:defRPr sz="1400" b="0" i="0" u="none" strike="noStrike" cap="none">
           <a:solidFill>
             <a:srgbClr val="000000"/>
           </a:solidFill>
@@ -3599,11 +3631,11 @@
 </file>
 
 <file path=ppt/slides/slide1.xml><?xml version="1.0" encoding="utf-8"?>
-<p:sld xmlns:a="http://schemas.openxmlformats.org/drawingml/2006/main" xmlns:r="http://schemas.openxmlformats.org/officeDocument/2006/relationships" xmlns:mc="http://schemas.openxmlformats.org/markup-compatibility/2006" xmlns:mv="urn:schemas-microsoft-com:mac:vml" xmlns:p="http://schemas.openxmlformats.org/presentationml/2006/main" xmlns:c="http://schemas.openxmlformats.org/drawingml/2006/chart" xmlns:dgm="http://schemas.openxmlformats.org/drawingml/2006/diagram" xmlns:o="urn:schemas-microsoft-com:office:office" xmlns:v="urn:schemas-microsoft-com:vml" xmlns:pvml="urn:schemas-microsoft-com:office:powerpoint" xmlns:com="http://schemas.openxmlformats.org/drawingml/2006/compatibility" xmlns:p14="http://schemas.microsoft.com/office/powerpoint/2010/main" xmlns:p15="http://schemas.microsoft.com/office/powerpoint/2012/main">
+<p:sld xmlns:a="http://schemas.openxmlformats.org/drawingml/2006/main" xmlns:r="http://schemas.openxmlformats.org/officeDocument/2006/relationships" xmlns:p="http://schemas.openxmlformats.org/presentationml/2006/main">
   <p:cSld>
     <p:spTree>
       <p:nvGrpSpPr>
-        <p:cNvPr id="21" name="Shape 21"/>
+        <p:cNvPr id="1" name="Shape 21"/>
         <p:cNvGrpSpPr/>
         <p:nvPr/>
       </p:nvGrpSpPr>
@@ -3635,12 +3667,12 @@
           </a:ln>
         </p:spPr>
         <p:txBody>
-          <a:bodyPr anchorCtr="0" anchor="t" bIns="45700" lIns="91425" spcFirstLastPara="1" rIns="91425" wrap="square" tIns="45700">
+          <a:bodyPr spcFirstLastPara="1" wrap="square" lIns="91425" tIns="45700" rIns="91425" bIns="45700" anchor="t" anchorCtr="0">
             <a:noAutofit/>
           </a:bodyPr>
           <a:lstStyle/>
           <a:p>
-            <a:pPr indent="0" lvl="0" marL="0" marR="0" rtl="0" algn="ctr">
+            <a:pPr marL="0" marR="0" lvl="0" indent="0" algn="ctr" rtl="0">
               <a:lnSpc>
                 <a:spcPct val="100000"/>
               </a:lnSpc>
@@ -3658,7 +3690,7 @@
               <a:buNone/>
             </a:pPr>
             <a:r>
-              <a:rPr b="0" i="0" lang="en-US" sz="2800" u="none" cap="none" strike="noStrike">
+              <a:rPr lang="en-US" sz="2800" b="0" i="0" u="none" strike="noStrike" cap="none">
                 <a:solidFill>
                   <a:srgbClr val="FF0000"/>
                 </a:solidFill>
@@ -3672,7 +3704,7 @@
             <a:endParaRPr/>
           </a:p>
           <a:p>
-            <a:pPr indent="0" lvl="0" marL="0" marR="0" rtl="0" algn="ctr">
+            <a:pPr marL="0" marR="0" lvl="0" indent="0" algn="ctr" rtl="0">
               <a:lnSpc>
                 <a:spcPct val="100000"/>
               </a:lnSpc>
@@ -3689,10 +3721,7 @@
               <a:buFont typeface="Arial"/>
               <a:buNone/>
             </a:pPr>
-            <a:r>
-              <a:t/>
-            </a:r>
-            <a:endParaRPr b="0" i="0" sz="3200" u="none" cap="none" strike="noStrike">
+            <a:endParaRPr sz="3200" b="0" i="0" u="none" strike="noStrike" cap="none">
               <a:solidFill>
                 <a:srgbClr val="FF0000"/>
               </a:solidFill>
@@ -3703,7 +3732,7 @@
             </a:endParaRPr>
           </a:p>
           <a:p>
-            <a:pPr indent="0" lvl="0" marL="0" marR="0" rtl="0" algn="ctr">
+            <a:pPr marL="0" marR="0" lvl="0" indent="0" algn="ctr" rtl="0">
               <a:lnSpc>
                 <a:spcPct val="100000"/>
               </a:lnSpc>
@@ -3721,7 +3750,7 @@
               <a:buNone/>
             </a:pPr>
             <a:r>
-              <a:rPr b="0" i="0" lang="en-US" sz="3200" u="none" cap="none" strike="noStrike">
+              <a:rPr lang="en-US" sz="3200" b="0" i="0" u="none" strike="noStrike" cap="none">
                 <a:solidFill>
                   <a:srgbClr val="FF0000"/>
                 </a:solidFill>
@@ -3735,7 +3764,7 @@
             <a:endParaRPr/>
           </a:p>
           <a:p>
-            <a:pPr indent="0" lvl="0" marL="0" marR="0" rtl="0" algn="ctr">
+            <a:pPr marL="0" marR="0" lvl="0" indent="0" algn="ctr" rtl="0">
               <a:lnSpc>
                 <a:spcPct val="100000"/>
               </a:lnSpc>
@@ -3752,10 +3781,7 @@
               <a:buFont typeface="Arial"/>
               <a:buNone/>
             </a:pPr>
-            <a:r>
-              <a:t/>
-            </a:r>
-            <a:endParaRPr b="0" i="0" sz="4000" u="none" cap="none" strike="noStrike">
+            <a:endParaRPr sz="4000" b="0" i="0" u="none" strike="noStrike" cap="none">
               <a:solidFill>
                 <a:srgbClr val="FF0000"/>
               </a:solidFill>
@@ -3766,7 +3792,7 @@
             </a:endParaRPr>
           </a:p>
           <a:p>
-            <a:pPr indent="0" lvl="0" marL="0" marR="0" rtl="0" algn="ctr">
+            <a:pPr marL="0" marR="0" lvl="0" indent="0" algn="ctr" rtl="0">
               <a:lnSpc>
                 <a:spcPct val="100000"/>
               </a:lnSpc>
@@ -3784,7 +3810,7 @@
               <a:buNone/>
             </a:pPr>
             <a:r>
-              <a:rPr b="0" i="0" lang="en-US" sz="4000" u="none" cap="none" strike="noStrike">
+              <a:rPr lang="en-US" sz="4000" b="0" i="0" u="none" strike="noStrike" cap="none">
                 <a:solidFill>
                   <a:srgbClr val="FF0000"/>
                 </a:solidFill>
@@ -3795,7 +3821,7 @@
               </a:rPr>
               <a:t>Project Evaluation</a:t>
             </a:r>
-            <a:endParaRPr b="0" i="0" sz="4000" u="none" cap="none" strike="noStrike">
+            <a:endParaRPr sz="4000" b="0" i="0" u="none" strike="noStrike" cap="none">
               <a:solidFill>
                 <a:srgbClr val="FF0000"/>
               </a:solidFill>
@@ -3827,12 +3853,12 @@
           </a:ln>
         </p:spPr>
         <p:txBody>
-          <a:bodyPr anchorCtr="0" anchor="t" bIns="45700" lIns="91425" spcFirstLastPara="1" rIns="91425" wrap="square" tIns="45700">
+          <a:bodyPr spcFirstLastPara="1" wrap="square" lIns="91425" tIns="45700" rIns="91425" bIns="45700" anchor="t" anchorCtr="0">
             <a:noAutofit/>
           </a:bodyPr>
           <a:lstStyle/>
           <a:p>
-            <a:pPr indent="0" lvl="0" marL="0" marR="0" rtl="0" algn="l">
+            <a:pPr marL="0" marR="0" lvl="0" indent="0" algn="l" rtl="0">
               <a:lnSpc>
                 <a:spcPct val="100000"/>
               </a:lnSpc>
@@ -3850,7 +3876,7 @@
               <a:buNone/>
             </a:pPr>
             <a:r>
-              <a:rPr b="0" i="0" lang="en-US" sz="2000" u="none" cap="none" strike="noStrike">
+              <a:rPr lang="en-US" sz="2000" b="0" i="0" u="none" strike="noStrike" cap="none">
                 <a:solidFill>
                   <a:srgbClr val="0070C0"/>
                 </a:solidFill>
@@ -3873,7 +3899,7 @@
               </a:rPr>
               <a:t>Pharmacy Website</a:t>
             </a:r>
-            <a:endParaRPr b="0" i="0" sz="2000" u="none" cap="none" strike="noStrike">
+            <a:endParaRPr sz="2000" b="0" i="0" u="none" strike="noStrike" cap="none">
               <a:solidFill>
                 <a:srgbClr val="0070C0"/>
               </a:solidFill>
@@ -3884,7 +3910,7 @@
             </a:endParaRPr>
           </a:p>
           <a:p>
-            <a:pPr indent="0" lvl="0" marL="0" marR="0" rtl="0" algn="l">
+            <a:pPr marL="0" marR="0" lvl="0" indent="0" algn="l" rtl="0">
               <a:lnSpc>
                 <a:spcPct val="100000"/>
               </a:lnSpc>
@@ -3902,7 +3928,7 @@
               <a:buNone/>
             </a:pPr>
             <a:r>
-              <a:rPr b="0" i="0" lang="en-US" sz="2000" u="none" cap="none" strike="noStrike">
+              <a:rPr lang="en-US" sz="2000" b="0" i="0" u="none" strike="noStrike" cap="none">
                 <a:solidFill>
                   <a:srgbClr val="0070C0"/>
                 </a:solidFill>
@@ -3913,7 +3939,7 @@
               </a:rPr>
               <a:t>Project Team :</a:t>
             </a:r>
-            <a:endParaRPr b="0" i="0" sz="2000" u="none" cap="none" strike="noStrike">
+            <a:endParaRPr sz="2000" b="0" i="0" u="none" strike="noStrike" cap="none">
               <a:solidFill>
                 <a:srgbClr val="0070C0"/>
               </a:solidFill>
@@ -3924,7 +3950,7 @@
             </a:endParaRPr>
           </a:p>
           <a:p>
-            <a:pPr indent="0" lvl="0" marL="914400" marR="0" rtl="0" algn="l">
+            <a:pPr marL="914400" marR="0" lvl="0" indent="0" algn="l" rtl="0">
               <a:lnSpc>
                 <a:spcPct val="100000"/>
               </a:lnSpc>
@@ -3942,7 +3968,7 @@
               <a:buNone/>
             </a:pPr>
             <a:r>
-              <a:rPr b="0" i="0" lang="en-US" sz="2000" u="none" cap="none" strike="noStrike">
+              <a:rPr lang="en-US" sz="2000" b="0" i="0" u="none" strike="noStrike" cap="none">
                 <a:solidFill>
                   <a:srgbClr val="0070C0"/>
                 </a:solidFill>
@@ -3966,7 +3992,7 @@
               <a:t>PES1201700147 </a:t>
             </a:r>
             <a:r>
-              <a:rPr b="0" i="0" lang="en-US" sz="2000" u="none" cap="none" strike="noStrike">
+              <a:rPr lang="en-US" sz="2000" b="0" i="0" u="none" strike="noStrike" cap="none">
                 <a:solidFill>
                   <a:srgbClr val="0070C0"/>
                 </a:solidFill>
@@ -3990,7 +4016,7 @@
               <a:t>Likith R Shekar</a:t>
             </a:r>
             <a:r>
-              <a:rPr b="0" i="0" lang="en-US" sz="2000" u="none" cap="none" strike="noStrike">
+              <a:rPr lang="en-US" sz="2000" b="0" i="0" u="none" strike="noStrike" cap="none">
                 <a:solidFill>
                   <a:srgbClr val="0070C0"/>
                 </a:solidFill>
@@ -4004,7 +4030,7 @@
             <a:endParaRPr/>
           </a:p>
           <a:p>
-            <a:pPr indent="0" lvl="0" marL="914400" marR="0" rtl="0" algn="l">
+            <a:pPr marL="914400" marR="0" lvl="0" indent="0" algn="l" rtl="0">
               <a:lnSpc>
                 <a:spcPct val="100000"/>
               </a:lnSpc>
@@ -4017,7 +4043,7 @@
               <a:buNone/>
             </a:pPr>
             <a:r>
-              <a:rPr b="0" i="0" lang="en-US" sz="2000" u="none" cap="none" strike="noStrike">
+              <a:rPr lang="en-US" sz="2000" b="0" i="0" u="none" strike="noStrike" cap="none">
                 <a:solidFill>
                   <a:srgbClr val="0070C0"/>
                 </a:solidFill>
@@ -4041,7 +4067,7 @@
               <a:t>PES1201700691</a:t>
             </a:r>
             <a:r>
-              <a:rPr b="0" i="0" lang="en-US" sz="2000" u="none" cap="none" strike="noStrike">
+              <a:rPr lang="en-US" sz="2000" b="0" i="0" u="none" strike="noStrike" cap="none">
                 <a:solidFill>
                   <a:srgbClr val="0070C0"/>
                 </a:solidFill>
@@ -4065,7 +4091,7 @@
               <a:t>Siddharth Shankar</a:t>
             </a:r>
             <a:r>
-              <a:rPr b="0" i="0" lang="en-US" sz="2000" u="none" cap="none" strike="noStrike">
+              <a:rPr lang="en-US" sz="2000" b="0" i="0" u="none" strike="noStrike" cap="none">
                 <a:solidFill>
                   <a:srgbClr val="0070C0"/>
                 </a:solidFill>
@@ -4079,7 +4105,7 @@
             <a:endParaRPr/>
           </a:p>
           <a:p>
-            <a:pPr indent="0" lvl="0" marL="914400" marR="0" rtl="0" algn="l">
+            <a:pPr marL="914400" marR="0" lvl="0" indent="0" algn="l" rtl="0">
               <a:lnSpc>
                 <a:spcPct val="100000"/>
               </a:lnSpc>
@@ -4092,7 +4118,7 @@
               <a:buNone/>
             </a:pPr>
             <a:r>
-              <a:rPr b="0" i="0" lang="en-US" sz="2000" u="none" cap="none" strike="noStrike">
+              <a:rPr lang="en-US" sz="2000" b="0" i="0" u="none" strike="noStrike" cap="none">
                 <a:solidFill>
                   <a:srgbClr val="0070C0"/>
                 </a:solidFill>
@@ -4116,7 +4142,7 @@
               <a:t>PES1201700857</a:t>
             </a:r>
             <a:r>
-              <a:rPr b="0" i="0" lang="en-US" sz="2000" u="none" cap="none" strike="noStrike">
+              <a:rPr lang="en-US" sz="2000" b="0" i="0" u="none" strike="noStrike" cap="none">
                 <a:solidFill>
                   <a:srgbClr val="0070C0"/>
                 </a:solidFill>
@@ -4140,7 +4166,7 @@
               <a:t>Dinakar S M</a:t>
             </a:r>
             <a:r>
-              <a:rPr b="0" i="0" lang="en-US" sz="2000" u="none" cap="none" strike="noStrike">
+              <a:rPr lang="en-US" sz="2000" b="0" i="0" u="none" strike="noStrike" cap="none">
                 <a:solidFill>
                   <a:srgbClr val="0070C0"/>
                 </a:solidFill>
@@ -4151,7 +4177,7 @@
               </a:rPr>
               <a:t>&gt;</a:t>
             </a:r>
-            <a:endParaRPr b="0" i="0" sz="2000" u="none" cap="none" strike="noStrike">
+            <a:endParaRPr sz="2000" b="0" i="0" u="none" strike="noStrike" cap="none">
               <a:solidFill>
                 <a:srgbClr val="0070C0"/>
               </a:solidFill>
@@ -4172,11 +4198,11 @@
 </file>
 
 <file path=ppt/slides/slide2.xml><?xml version="1.0" encoding="utf-8"?>
-<p:sld xmlns:a="http://schemas.openxmlformats.org/drawingml/2006/main" xmlns:r="http://schemas.openxmlformats.org/officeDocument/2006/relationships" xmlns:mc="http://schemas.openxmlformats.org/markup-compatibility/2006" xmlns:mv="urn:schemas-microsoft-com:mac:vml" xmlns:p="http://schemas.openxmlformats.org/presentationml/2006/main" xmlns:c="http://schemas.openxmlformats.org/drawingml/2006/chart" xmlns:dgm="http://schemas.openxmlformats.org/drawingml/2006/diagram" xmlns:o="urn:schemas-microsoft-com:office:office" xmlns:v="urn:schemas-microsoft-com:vml" xmlns:pvml="urn:schemas-microsoft-com:office:powerpoint" xmlns:com="http://schemas.openxmlformats.org/drawingml/2006/compatibility" xmlns:p14="http://schemas.microsoft.com/office/powerpoint/2010/main" xmlns:p15="http://schemas.microsoft.com/office/powerpoint/2012/main">
+<p:sld xmlns:a="http://schemas.openxmlformats.org/drawingml/2006/main" xmlns:r="http://schemas.openxmlformats.org/officeDocument/2006/relationships" xmlns:p="http://schemas.openxmlformats.org/presentationml/2006/main">
   <p:cSld>
     <p:spTree>
       <p:nvGrpSpPr>
-        <p:cNvPr id="27" name="Shape 27"/>
+        <p:cNvPr id="1" name="Shape 27"/>
         <p:cNvGrpSpPr/>
         <p:nvPr/>
       </p:nvGrpSpPr>
@@ -4208,12 +4234,12 @@
           </a:ln>
         </p:spPr>
         <p:txBody>
-          <a:bodyPr anchorCtr="0" anchor="t" bIns="91425" lIns="91425" spcFirstLastPara="1" rIns="91425" wrap="square" tIns="91425">
+          <a:bodyPr spcFirstLastPara="1" wrap="square" lIns="91425" tIns="91425" rIns="91425" bIns="91425" anchor="t" anchorCtr="0">
             <a:noAutofit/>
           </a:bodyPr>
           <a:lstStyle/>
           <a:p>
-            <a:pPr indent="0" lvl="0" marL="0" rtl="0" algn="l">
+            <a:pPr marL="0" lvl="0" indent="0" algn="l" rtl="0">
               <a:spcBef>
                 <a:spcPts val="0"/>
               </a:spcBef>
@@ -4222,13 +4248,10 @@
               </a:spcAft>
               <a:buNone/>
             </a:pPr>
-            <a:r>
-              <a:t/>
-            </a:r>
             <a:endParaRPr sz="2400"/>
           </a:p>
           <a:p>
-            <a:pPr indent="0" lvl="0" marL="0" rtl="0" algn="l">
+            <a:pPr marL="0" lvl="0" indent="0" algn="l" rtl="0">
               <a:spcBef>
                 <a:spcPts val="0"/>
               </a:spcBef>
@@ -4267,12 +4290,12 @@
           </a:ln>
         </p:spPr>
         <p:txBody>
-          <a:bodyPr anchorCtr="0" anchor="ctr" bIns="45700" lIns="91425" spcFirstLastPara="1" rIns="91425" wrap="square" tIns="45700">
+          <a:bodyPr spcFirstLastPara="1" wrap="square" lIns="91425" tIns="45700" rIns="91425" bIns="45700" anchor="ctr" anchorCtr="0">
             <a:noAutofit/>
           </a:bodyPr>
           <a:lstStyle/>
           <a:p>
-            <a:pPr indent="0" lvl="0" marL="0" marR="0" rtl="0" algn="l">
+            <a:pPr marL="0" marR="0" lvl="0" indent="0" algn="l" rtl="0">
               <a:lnSpc>
                 <a:spcPct val="100000"/>
               </a:lnSpc>
@@ -4289,10 +4312,7 @@
               <a:buFont typeface="Arial"/>
               <a:buNone/>
             </a:pPr>
-            <a:r>
-              <a:t/>
-            </a:r>
-            <a:endParaRPr b="0" i="0" sz="1800" u="none" cap="none" strike="noStrike">
+            <a:endParaRPr sz="1800" b="0" i="0" u="none" strike="noStrike" cap="none">
               <a:solidFill>
                 <a:schemeClr val="dk1"/>
               </a:solidFill>
@@ -4324,12 +4344,12 @@
           </a:ln>
         </p:spPr>
         <p:txBody>
-          <a:bodyPr anchorCtr="0" anchor="t" bIns="45700" lIns="91425" spcFirstLastPara="1" rIns="91425" wrap="square" tIns="45700">
+          <a:bodyPr spcFirstLastPara="1" wrap="square" lIns="91425" tIns="45700" rIns="91425" bIns="45700" anchor="t" anchorCtr="0">
             <a:noAutofit/>
           </a:bodyPr>
           <a:lstStyle/>
           <a:p>
-            <a:pPr indent="-342900" lvl="0" marL="342900" marR="0" rtl="0" algn="r">
+            <a:pPr marL="342900" marR="0" lvl="0" indent="-342900" algn="r" rtl="0">
               <a:lnSpc>
                 <a:spcPct val="100000"/>
               </a:lnSpc>
@@ -4347,7 +4367,7 @@
               <a:buNone/>
             </a:pPr>
             <a:r>
-              <a:rPr b="0" i="0" lang="en-US" sz="2400" u="none" cap="none" strike="noStrike">
+              <a:rPr lang="en-US" sz="2400" b="0" i="0" u="none" strike="noStrike" cap="none">
                 <a:solidFill>
                   <a:srgbClr val="FF0000"/>
                 </a:solidFill>
@@ -4358,7 +4378,7 @@
               </a:rPr>
               <a:t>Project Description</a:t>
             </a:r>
-            <a:endParaRPr b="0" i="0" sz="1800" u="none" cap="none" strike="noStrike">
+            <a:endParaRPr sz="1800" b="0" i="0" u="none" strike="noStrike" cap="none">
               <a:solidFill>
                 <a:schemeClr val="dk1"/>
               </a:solidFill>
@@ -4379,11 +4399,11 @@
 </file>
 
 <file path=ppt/slides/slide3.xml><?xml version="1.0" encoding="utf-8"?>
-<p:sld xmlns:a="http://schemas.openxmlformats.org/drawingml/2006/main" xmlns:r="http://schemas.openxmlformats.org/officeDocument/2006/relationships" xmlns:mc="http://schemas.openxmlformats.org/markup-compatibility/2006" xmlns:mv="urn:schemas-microsoft-com:mac:vml" xmlns:p="http://schemas.openxmlformats.org/presentationml/2006/main" xmlns:c="http://schemas.openxmlformats.org/drawingml/2006/chart" xmlns:dgm="http://schemas.openxmlformats.org/drawingml/2006/diagram" xmlns:o="urn:schemas-microsoft-com:office:office" xmlns:v="urn:schemas-microsoft-com:vml" xmlns:pvml="urn:schemas-microsoft-com:office:powerpoint" xmlns:com="http://schemas.openxmlformats.org/drawingml/2006/compatibility" xmlns:p14="http://schemas.microsoft.com/office/powerpoint/2010/main" xmlns:p15="http://schemas.microsoft.com/office/powerpoint/2012/main">
+<p:sld xmlns:a="http://schemas.openxmlformats.org/drawingml/2006/main" xmlns:r="http://schemas.openxmlformats.org/officeDocument/2006/relationships" xmlns:p="http://schemas.openxmlformats.org/presentationml/2006/main">
   <p:cSld>
     <p:spTree>
       <p:nvGrpSpPr>
-        <p:cNvPr id="34" name="Shape 34"/>
+        <p:cNvPr id="1" name="Shape 34"/>
         <p:cNvGrpSpPr/>
         <p:nvPr/>
       </p:nvGrpSpPr>
@@ -4417,12 +4437,12 @@
           </a:ln>
         </p:spPr>
         <p:txBody>
-          <a:bodyPr anchorCtr="0" anchor="ctr" bIns="45700" lIns="91425" spcFirstLastPara="1" rIns="91425" wrap="square" tIns="45700">
+          <a:bodyPr spcFirstLastPara="1" wrap="square" lIns="91425" tIns="45700" rIns="91425" bIns="45700" anchor="ctr" anchorCtr="0">
             <a:noAutofit/>
           </a:bodyPr>
           <a:lstStyle/>
           <a:p>
-            <a:pPr indent="0" lvl="0" marL="0" marR="0" rtl="0" algn="l">
+            <a:pPr marL="0" marR="0" lvl="0" indent="0" algn="l" rtl="0">
               <a:lnSpc>
                 <a:spcPct val="100000"/>
               </a:lnSpc>
@@ -4439,10 +4459,7 @@
               <a:buFont typeface="Arial"/>
               <a:buNone/>
             </a:pPr>
-            <a:r>
-              <a:t/>
-            </a:r>
-            <a:endParaRPr b="0" i="0" sz="1800" u="none" cap="none" strike="noStrike">
+            <a:endParaRPr sz="1800" b="0" i="0" u="none" strike="noStrike" cap="none">
               <a:solidFill>
                 <a:schemeClr val="dk1"/>
               </a:solidFill>
@@ -4474,12 +4491,12 @@
           </a:ln>
         </p:spPr>
         <p:txBody>
-          <a:bodyPr anchorCtr="0" anchor="t" bIns="45700" lIns="91425" spcFirstLastPara="1" rIns="91425" wrap="square" tIns="45700">
+          <a:bodyPr spcFirstLastPara="1" wrap="square" lIns="91425" tIns="45700" rIns="91425" bIns="45700" anchor="t" anchorCtr="0">
             <a:noAutofit/>
           </a:bodyPr>
           <a:lstStyle/>
           <a:p>
-            <a:pPr indent="-342900" lvl="0" marL="342900" marR="0" rtl="0" algn="r">
+            <a:pPr marL="342900" marR="0" lvl="0" indent="-342900" algn="r" rtl="0">
               <a:lnSpc>
                 <a:spcPct val="100000"/>
               </a:lnSpc>
@@ -4497,7 +4514,7 @@
               <a:buNone/>
             </a:pPr>
             <a:r>
-              <a:rPr b="0" i="0" lang="en-US" sz="2400" u="none" cap="none" strike="noStrike">
+              <a:rPr lang="en-US" sz="2400" b="0" i="0" u="none" strike="noStrike" cap="none">
                 <a:solidFill>
                   <a:srgbClr val="FF0000"/>
                 </a:solidFill>
@@ -4508,7 +4525,7 @@
               </a:rPr>
               <a:t>Technologies Used</a:t>
             </a:r>
-            <a:endParaRPr b="0" i="0" sz="1800" u="none" cap="none" strike="noStrike">
+            <a:endParaRPr sz="1800" b="0" i="0" u="none" strike="noStrike" cap="none">
               <a:solidFill>
                 <a:schemeClr val="dk1"/>
               </a:solidFill>
@@ -4540,12 +4557,36 @@
           </a:ln>
         </p:spPr>
         <p:txBody>
-          <a:bodyPr anchorCtr="0" anchor="t" bIns="91425" lIns="91425" spcFirstLastPara="1" rIns="91425" wrap="square" tIns="91425">
+          <a:bodyPr spcFirstLastPara="1" wrap="square" lIns="91425" tIns="91425" rIns="91425" bIns="91425" anchor="t" anchorCtr="0">
             <a:noAutofit/>
           </a:bodyPr>
           <a:lstStyle/>
           <a:p>
-            <a:pPr indent="0" lvl="0" marL="0" rtl="0" algn="l">
+            <a:pPr marL="0" lvl="0" indent="0" algn="l" rtl="0">
+              <a:spcBef>
+                <a:spcPts val="0"/>
+              </a:spcBef>
+              <a:spcAft>
+                <a:spcPts val="0"/>
+              </a:spcAft>
+              <a:buNone/>
+            </a:pPr>
+            <a:endParaRPr sz="2400" dirty="0"/>
+          </a:p>
+          <a:p>
+            <a:pPr marL="0" lvl="0" indent="0" algn="l" rtl="0">
+              <a:spcBef>
+                <a:spcPts val="0"/>
+              </a:spcBef>
+              <a:spcAft>
+                <a:spcPts val="0"/>
+              </a:spcAft>
+              <a:buNone/>
+            </a:pPr>
+            <a:endParaRPr sz="2400" dirty="0"/>
+          </a:p>
+          <a:p>
+            <a:pPr marL="0" lvl="0" indent="0" algn="l" rtl="0">
               <a:spcBef>
                 <a:spcPts val="0"/>
               </a:spcBef>
@@ -4555,12 +4596,25 @@
               <a:buNone/>
             </a:pPr>
             <a:r>
-              <a:t/>
+              <a:rPr lang="en-US" sz="2400" dirty="0"/>
+              <a:t>HTML, CSS, JavaScript and jQuery for the frontend.</a:t>
             </a:r>
-            <a:endParaRPr sz="2400"/>
+            <a:endParaRPr sz="2400" dirty="0"/>
           </a:p>
           <a:p>
-            <a:pPr indent="0" lvl="0" marL="0" rtl="0" algn="l">
+            <a:pPr marL="0" lvl="0" indent="0" algn="l" rtl="0">
+              <a:spcBef>
+                <a:spcPts val="0"/>
+              </a:spcBef>
+              <a:spcAft>
+                <a:spcPts val="0"/>
+              </a:spcAft>
+              <a:buNone/>
+            </a:pPr>
+            <a:endParaRPr sz="2400" dirty="0"/>
+          </a:p>
+          <a:p>
+            <a:pPr marL="0" lvl="0" indent="0" algn="l" rtl="0">
               <a:spcBef>
                 <a:spcPts val="0"/>
               </a:spcBef>
@@ -4570,12 +4624,25 @@
               <a:buNone/>
             </a:pPr>
             <a:r>
-              <a:t/>
+              <a:rPr lang="en-US" sz="2400" dirty="0"/>
+              <a:t>PHP, AJAX and API’s for the backend.</a:t>
             </a:r>
-            <a:endParaRPr sz="2400"/>
+            <a:endParaRPr sz="2400" dirty="0"/>
           </a:p>
           <a:p>
-            <a:pPr indent="0" lvl="0" marL="0" rtl="0" algn="l">
+            <a:pPr marL="0" lvl="0" indent="0" algn="l" rtl="0">
+              <a:spcBef>
+                <a:spcPts val="0"/>
+              </a:spcBef>
+              <a:spcAft>
+                <a:spcPts val="0"/>
+              </a:spcAft>
+              <a:buNone/>
+            </a:pPr>
+            <a:endParaRPr sz="2400" dirty="0"/>
+          </a:p>
+          <a:p>
+            <a:pPr marL="0" lvl="0" indent="0" algn="l" rtl="0">
               <a:spcBef>
                 <a:spcPts val="0"/>
               </a:spcBef>
@@ -4585,103 +4652,10 @@
               <a:buNone/>
             </a:pPr>
             <a:r>
-              <a:rPr lang="en-US" sz="2400"/>
-              <a:t>It uses: </a:t>
-            </a:r>
-            <a:endParaRPr sz="2400"/>
-          </a:p>
-          <a:p>
-            <a:pPr indent="0" lvl="0" marL="0" rtl="0" algn="l">
-              <a:spcBef>
-                <a:spcPts val="0"/>
-              </a:spcBef>
-              <a:spcAft>
-                <a:spcPts val="0"/>
-              </a:spcAft>
-              <a:buNone/>
-            </a:pPr>
-            <a:r>
-              <a:t/>
-            </a:r>
-            <a:endParaRPr sz="2400"/>
-          </a:p>
-          <a:p>
-            <a:pPr indent="0" lvl="0" marL="0" rtl="0" algn="l">
-              <a:spcBef>
-                <a:spcPts val="0"/>
-              </a:spcBef>
-              <a:spcAft>
-                <a:spcPts val="0"/>
-              </a:spcAft>
-              <a:buNone/>
-            </a:pPr>
-            <a:r>
-              <a:rPr lang="en-US" sz="2400"/>
-              <a:t>HTML, CSS, Javascript and jQuery for the frontend.</a:t>
-            </a:r>
-            <a:endParaRPr sz="2400"/>
-          </a:p>
-          <a:p>
-            <a:pPr indent="0" lvl="0" marL="0" rtl="0" algn="l">
-              <a:spcBef>
-                <a:spcPts val="0"/>
-              </a:spcBef>
-              <a:spcAft>
-                <a:spcPts val="0"/>
-              </a:spcAft>
-              <a:buNone/>
-            </a:pPr>
-            <a:r>
-              <a:t/>
-            </a:r>
-            <a:endParaRPr sz="2400"/>
-          </a:p>
-          <a:p>
-            <a:pPr indent="0" lvl="0" marL="0" rtl="0" algn="l">
-              <a:spcBef>
-                <a:spcPts val="0"/>
-              </a:spcBef>
-              <a:spcAft>
-                <a:spcPts val="0"/>
-              </a:spcAft>
-              <a:buNone/>
-            </a:pPr>
-            <a:r>
-              <a:rPr lang="en-US" sz="2400"/>
-              <a:t>PHP, AJAX and API’s for the backend.</a:t>
-            </a:r>
-            <a:endParaRPr sz="2400"/>
-          </a:p>
-          <a:p>
-            <a:pPr indent="0" lvl="0" marL="0" rtl="0" algn="l">
-              <a:spcBef>
-                <a:spcPts val="0"/>
-              </a:spcBef>
-              <a:spcAft>
-                <a:spcPts val="0"/>
-              </a:spcAft>
-              <a:buNone/>
-            </a:pPr>
-            <a:r>
-              <a:t/>
-            </a:r>
-            <a:endParaRPr sz="2400"/>
-          </a:p>
-          <a:p>
-            <a:pPr indent="0" lvl="0" marL="0" rtl="0" algn="l">
-              <a:spcBef>
-                <a:spcPts val="0"/>
-              </a:spcBef>
-              <a:spcAft>
-                <a:spcPts val="0"/>
-              </a:spcAft>
-              <a:buNone/>
-            </a:pPr>
-            <a:r>
-              <a:rPr lang="en-US" sz="2400"/>
+              <a:rPr lang="en-US" sz="2400" dirty="0"/>
               <a:t>XAMPP and MySQL for the database.</a:t>
             </a:r>
-            <a:endParaRPr sz="2400"/>
+            <a:endParaRPr sz="2400" dirty="0"/>
           </a:p>
         </p:txBody>
       </p:sp>
@@ -4694,11 +4668,11 @@
 </file>
 
 <file path=ppt/slides/slide4.xml><?xml version="1.0" encoding="utf-8"?>
-<p:sld xmlns:a="http://schemas.openxmlformats.org/drawingml/2006/main" xmlns:r="http://schemas.openxmlformats.org/officeDocument/2006/relationships" xmlns:mc="http://schemas.openxmlformats.org/markup-compatibility/2006" xmlns:mv="urn:schemas-microsoft-com:mac:vml" xmlns:p="http://schemas.openxmlformats.org/presentationml/2006/main" xmlns:c="http://schemas.openxmlformats.org/drawingml/2006/chart" xmlns:dgm="http://schemas.openxmlformats.org/drawingml/2006/diagram" xmlns:o="urn:schemas-microsoft-com:office:office" xmlns:v="urn:schemas-microsoft-com:vml" xmlns:pvml="urn:schemas-microsoft-com:office:powerpoint" xmlns:com="http://schemas.openxmlformats.org/drawingml/2006/compatibility" xmlns:p14="http://schemas.microsoft.com/office/powerpoint/2010/main" xmlns:p15="http://schemas.microsoft.com/office/powerpoint/2012/main">
+<p:sld xmlns:a="http://schemas.openxmlformats.org/drawingml/2006/main" xmlns:r="http://schemas.openxmlformats.org/officeDocument/2006/relationships" xmlns:p="http://schemas.openxmlformats.org/presentationml/2006/main">
   <p:cSld>
     <p:spTree>
       <p:nvGrpSpPr>
-        <p:cNvPr id="41" name="Shape 41"/>
+        <p:cNvPr id="1" name="Shape 41"/>
         <p:cNvGrpSpPr/>
         <p:nvPr/>
       </p:nvGrpSpPr>
@@ -4732,12 +4706,12 @@
           </a:ln>
         </p:spPr>
         <p:txBody>
-          <a:bodyPr anchorCtr="0" anchor="ctr" bIns="45700" lIns="91425" spcFirstLastPara="1" rIns="91425" wrap="square" tIns="45700">
+          <a:bodyPr spcFirstLastPara="1" wrap="square" lIns="91425" tIns="45700" rIns="91425" bIns="45700" anchor="ctr" anchorCtr="0">
             <a:noAutofit/>
           </a:bodyPr>
           <a:lstStyle/>
           <a:p>
-            <a:pPr indent="0" lvl="0" marL="0" marR="0" rtl="0" algn="l">
+            <a:pPr marL="0" marR="0" lvl="0" indent="0" algn="l" rtl="0">
               <a:lnSpc>
                 <a:spcPct val="100000"/>
               </a:lnSpc>
@@ -4754,10 +4728,7 @@
               <a:buFont typeface="Arial"/>
               <a:buNone/>
             </a:pPr>
-            <a:r>
-              <a:t/>
-            </a:r>
-            <a:endParaRPr b="0" i="0" sz="1800" u="none" cap="none" strike="noStrike">
+            <a:endParaRPr sz="1800" b="0" i="0" u="none" strike="noStrike" cap="none">
               <a:solidFill>
                 <a:schemeClr val="dk1"/>
               </a:solidFill>
@@ -4789,12 +4760,12 @@
           </a:ln>
         </p:spPr>
         <p:txBody>
-          <a:bodyPr anchorCtr="0" anchor="t" bIns="45700" lIns="91425" spcFirstLastPara="1" rIns="91425" wrap="square" tIns="45700">
+          <a:bodyPr spcFirstLastPara="1" wrap="square" lIns="91425" tIns="45700" rIns="91425" bIns="45700" anchor="t" anchorCtr="0">
             <a:noAutofit/>
           </a:bodyPr>
           <a:lstStyle/>
           <a:p>
-            <a:pPr indent="-342900" lvl="0" marL="342900" marR="0" rtl="0" algn="r">
+            <a:pPr marL="342900" marR="0" lvl="0" indent="-342900" algn="r" rtl="0">
               <a:lnSpc>
                 <a:spcPct val="100000"/>
               </a:lnSpc>
@@ -4812,7 +4783,7 @@
               <a:buNone/>
             </a:pPr>
             <a:r>
-              <a:rPr b="0" i="0" lang="en-US" sz="2400" u="none" cap="none" strike="noStrike">
+              <a:rPr lang="en-US" sz="2400" b="0" i="0" u="none" strike="noStrike" cap="none">
                 <a:solidFill>
                   <a:srgbClr val="FF0000"/>
                 </a:solidFill>
@@ -4823,7 +4794,7 @@
               </a:rPr>
               <a:t>Techniques Implemented</a:t>
             </a:r>
-            <a:endParaRPr b="0" i="0" sz="1800" u="none" cap="none" strike="noStrike">
+            <a:endParaRPr sz="1800" b="0" i="0" u="none" strike="noStrike" cap="none">
               <a:solidFill>
                 <a:schemeClr val="dk1"/>
               </a:solidFill>
@@ -4855,12 +4826,36 @@
           </a:ln>
         </p:spPr>
         <p:txBody>
-          <a:bodyPr anchorCtr="0" anchor="t" bIns="91425" lIns="91425" spcFirstLastPara="1" rIns="91425" wrap="square" tIns="91425">
+          <a:bodyPr spcFirstLastPara="1" wrap="square" lIns="91425" tIns="91425" rIns="91425" bIns="91425" anchor="t" anchorCtr="0">
             <a:noAutofit/>
           </a:bodyPr>
           <a:lstStyle/>
           <a:p>
-            <a:pPr indent="0" lvl="0" marL="0" rtl="0" algn="l">
+            <a:pPr marL="0" lvl="0" indent="0" algn="l" rtl="0">
+              <a:spcBef>
+                <a:spcPts val="0"/>
+              </a:spcBef>
+              <a:spcAft>
+                <a:spcPts val="0"/>
+              </a:spcAft>
+              <a:buNone/>
+            </a:pPr>
+            <a:endParaRPr lang="en-IN" sz="2400" dirty="0"/>
+          </a:p>
+          <a:p>
+            <a:pPr marL="0" lvl="0" indent="0" algn="l" rtl="0">
+              <a:spcBef>
+                <a:spcPts val="0"/>
+              </a:spcBef>
+              <a:spcAft>
+                <a:spcPts val="0"/>
+              </a:spcAft>
+              <a:buNone/>
+            </a:pPr>
+            <a:endParaRPr lang="en-IN" sz="2400" dirty="0"/>
+          </a:p>
+          <a:p>
+            <a:pPr marL="0" lvl="0" indent="0" algn="l" rtl="0">
               <a:spcBef>
                 <a:spcPts val="0"/>
               </a:spcBef>
@@ -4870,40 +4865,10 @@
               <a:buNone/>
             </a:pPr>
             <a:r>
-              <a:t/>
+              <a:rPr lang="en-IN" sz="2400" dirty="0"/>
+              <a:t>The technique implemented from the one’s taught in lab is the Multistage Download, to properly display it’s effect a picture slider was added into the first page (index.html).</a:t>
             </a:r>
-            <a:endParaRPr sz="2400"/>
-          </a:p>
-          <a:p>
-            <a:pPr indent="0" lvl="0" marL="0" rtl="0" algn="l">
-              <a:spcBef>
-                <a:spcPts val="0"/>
-              </a:spcBef>
-              <a:spcAft>
-                <a:spcPts val="0"/>
-              </a:spcAft>
-              <a:buNone/>
-            </a:pPr>
-            <a:r>
-              <a:t/>
-            </a:r>
-            <a:endParaRPr sz="2400"/>
-          </a:p>
-          <a:p>
-            <a:pPr indent="0" lvl="0" marL="0" rtl="0" algn="l">
-              <a:spcBef>
-                <a:spcPts val="0"/>
-              </a:spcBef>
-              <a:spcAft>
-                <a:spcPts val="0"/>
-              </a:spcAft>
-              <a:buNone/>
-            </a:pPr>
-            <a:r>
-              <a:rPr lang="en-US" sz="2400"/>
-              <a:t>It uses Multistage Download.</a:t>
-            </a:r>
-            <a:endParaRPr sz="2400"/>
+            <a:endParaRPr sz="2400" dirty="0"/>
           </a:p>
         </p:txBody>
       </p:sp>
@@ -4916,11 +4881,11 @@
 </file>
 
 <file path=ppt/slides/slide5.xml><?xml version="1.0" encoding="utf-8"?>
-<p:sld xmlns:a="http://schemas.openxmlformats.org/drawingml/2006/main" xmlns:r="http://schemas.openxmlformats.org/officeDocument/2006/relationships" xmlns:mc="http://schemas.openxmlformats.org/markup-compatibility/2006" xmlns:mv="urn:schemas-microsoft-com:mac:vml" xmlns:p="http://schemas.openxmlformats.org/presentationml/2006/main" xmlns:c="http://schemas.openxmlformats.org/drawingml/2006/chart" xmlns:dgm="http://schemas.openxmlformats.org/drawingml/2006/diagram" xmlns:o="urn:schemas-microsoft-com:office:office" xmlns:v="urn:schemas-microsoft-com:vml" xmlns:pvml="urn:schemas-microsoft-com:office:powerpoint" xmlns:com="http://schemas.openxmlformats.org/drawingml/2006/compatibility" xmlns:p14="http://schemas.microsoft.com/office/powerpoint/2010/main" xmlns:p15="http://schemas.microsoft.com/office/powerpoint/2012/main">
+<p:sld xmlns:a="http://schemas.openxmlformats.org/drawingml/2006/main" xmlns:r="http://schemas.openxmlformats.org/officeDocument/2006/relationships" xmlns:p="http://schemas.openxmlformats.org/presentationml/2006/main">
   <p:cSld>
     <p:spTree>
       <p:nvGrpSpPr>
-        <p:cNvPr id="48" name="Shape 48"/>
+        <p:cNvPr id="1" name="Shape 48"/>
         <p:cNvGrpSpPr/>
         <p:nvPr/>
       </p:nvGrpSpPr>
@@ -4954,12 +4919,12 @@
           </a:ln>
         </p:spPr>
         <p:txBody>
-          <a:bodyPr anchorCtr="0" anchor="ctr" bIns="45700" lIns="91425" spcFirstLastPara="1" rIns="91425" wrap="square" tIns="45700">
+          <a:bodyPr spcFirstLastPara="1" wrap="square" lIns="91425" tIns="45700" rIns="91425" bIns="45700" anchor="ctr" anchorCtr="0">
             <a:noAutofit/>
           </a:bodyPr>
           <a:lstStyle/>
           <a:p>
-            <a:pPr indent="0" lvl="0" marL="0" marR="0" rtl="0" algn="l">
+            <a:pPr marL="0" marR="0" lvl="0" indent="0" algn="l" rtl="0">
               <a:lnSpc>
                 <a:spcPct val="100000"/>
               </a:lnSpc>
@@ -4976,10 +4941,7 @@
               <a:buFont typeface="Arial"/>
               <a:buNone/>
             </a:pPr>
-            <a:r>
-              <a:t/>
-            </a:r>
-            <a:endParaRPr b="0" i="0" sz="1800" u="none" cap="none" strike="noStrike">
+            <a:endParaRPr sz="1800" b="0" i="0" u="none" strike="noStrike" cap="none">
               <a:solidFill>
                 <a:schemeClr val="dk1"/>
               </a:solidFill>
@@ -5011,12 +4973,12 @@
           </a:ln>
         </p:spPr>
         <p:txBody>
-          <a:bodyPr anchorCtr="0" anchor="t" bIns="45700" lIns="91425" spcFirstLastPara="1" rIns="91425" wrap="square" tIns="45700">
+          <a:bodyPr spcFirstLastPara="1" wrap="square" lIns="91425" tIns="45700" rIns="91425" bIns="45700" anchor="t" anchorCtr="0">
             <a:noAutofit/>
           </a:bodyPr>
           <a:lstStyle/>
           <a:p>
-            <a:pPr indent="-342900" lvl="0" marL="342900" marR="0" rtl="0" algn="r">
+            <a:pPr marL="342900" marR="0" lvl="0" indent="-342900" algn="r" rtl="0">
               <a:lnSpc>
                 <a:spcPct val="100000"/>
               </a:lnSpc>
@@ -5034,7 +4996,7 @@
               <a:buNone/>
             </a:pPr>
             <a:r>
-              <a:rPr b="0" i="0" lang="en-US" sz="2400" u="none" cap="none" strike="noStrike">
+              <a:rPr lang="en-US" sz="2400" b="0" i="0" u="none" strike="noStrike" cap="none">
                 <a:solidFill>
                   <a:srgbClr val="FF0000"/>
                 </a:solidFill>
@@ -5045,7 +5007,7 @@
               </a:rPr>
               <a:t>Intelligent Functionality</a:t>
             </a:r>
-            <a:endParaRPr b="0" i="0" sz="1800" u="none" cap="none" strike="noStrike">
+            <a:endParaRPr sz="1800" b="0" i="0" u="none" strike="noStrike" cap="none">
               <a:solidFill>
                 <a:schemeClr val="dk1"/>
               </a:solidFill>
@@ -5077,12 +5039,12 @@
           </a:ln>
         </p:spPr>
         <p:txBody>
-          <a:bodyPr anchorCtr="0" anchor="t" bIns="91425" lIns="91425" spcFirstLastPara="1" rIns="91425" wrap="square" tIns="91425">
+          <a:bodyPr spcFirstLastPara="1" wrap="square" lIns="91425" tIns="91425" rIns="91425" bIns="91425" anchor="t" anchorCtr="0">
             <a:noAutofit/>
           </a:bodyPr>
           <a:lstStyle/>
           <a:p>
-            <a:pPr indent="0" lvl="0" marL="0" rtl="0" algn="l">
+            <a:pPr marL="0" lvl="0" indent="0" algn="l" rtl="0">
               <a:spcBef>
                 <a:spcPts val="0"/>
               </a:spcBef>
@@ -5091,9 +5053,6 @@
               </a:spcAft>
               <a:buNone/>
             </a:pPr>
-            <a:r>
-              <a:t/>
-            </a:r>
             <a:endParaRPr/>
           </a:p>
         </p:txBody>
@@ -5107,11 +5066,11 @@
 </file>
 
 <file path=ppt/slides/slide6.xml><?xml version="1.0" encoding="utf-8"?>
-<p:sld xmlns:a="http://schemas.openxmlformats.org/drawingml/2006/main" xmlns:r="http://schemas.openxmlformats.org/officeDocument/2006/relationships" xmlns:mc="http://schemas.openxmlformats.org/markup-compatibility/2006" xmlns:mv="urn:schemas-microsoft-com:mac:vml" xmlns:p="http://schemas.openxmlformats.org/presentationml/2006/main" xmlns:c="http://schemas.openxmlformats.org/drawingml/2006/chart" xmlns:dgm="http://schemas.openxmlformats.org/drawingml/2006/diagram" xmlns:o="urn:schemas-microsoft-com:office:office" xmlns:v="urn:schemas-microsoft-com:vml" xmlns:pvml="urn:schemas-microsoft-com:office:powerpoint" xmlns:com="http://schemas.openxmlformats.org/drawingml/2006/compatibility" xmlns:p14="http://schemas.microsoft.com/office/powerpoint/2010/main" xmlns:p15="http://schemas.microsoft.com/office/powerpoint/2012/main">
+<p:sld xmlns:a="http://schemas.openxmlformats.org/drawingml/2006/main" xmlns:r="http://schemas.openxmlformats.org/officeDocument/2006/relationships" xmlns:p="http://schemas.openxmlformats.org/presentationml/2006/main">
   <p:cSld>
     <p:spTree>
       <p:nvGrpSpPr>
-        <p:cNvPr id="55" name="Shape 55"/>
+        <p:cNvPr id="1" name="Shape 55"/>
         <p:cNvGrpSpPr/>
         <p:nvPr/>
       </p:nvGrpSpPr>
@@ -5143,12 +5102,12 @@
           </a:ln>
         </p:spPr>
         <p:txBody>
-          <a:bodyPr anchorCtr="0" anchor="t" bIns="45700" lIns="91425" spcFirstLastPara="1" rIns="91425" wrap="square" tIns="45700">
+          <a:bodyPr spcFirstLastPara="1" wrap="square" lIns="91425" tIns="45700" rIns="91425" bIns="45700" anchor="t" anchorCtr="0">
             <a:noAutofit/>
           </a:bodyPr>
           <a:lstStyle/>
           <a:p>
-            <a:pPr indent="0" lvl="0" marL="0" marR="0" rtl="0" algn="r">
+            <a:pPr marL="0" marR="0" lvl="0" indent="0" algn="r" rtl="0">
               <a:lnSpc>
                 <a:spcPct val="100000"/>
               </a:lnSpc>
@@ -5166,7 +5125,7 @@
               <a:buNone/>
             </a:pPr>
             <a:r>
-              <a:rPr b="0" i="0" lang="en-US" sz="4000" u="none" cap="none" strike="noStrike">
+              <a:rPr lang="en-US" sz="4000" b="0" i="0" u="none" strike="noStrike" cap="none">
                 <a:solidFill>
                   <a:srgbClr val="FF0000"/>
                 </a:solidFill>
@@ -5177,7 +5136,7 @@
               </a:rPr>
               <a:t>Thank You</a:t>
             </a:r>
-            <a:endParaRPr b="0" i="0" sz="1400" u="none" cap="none" strike="noStrike">
+            <a:endParaRPr sz="1400" b="0" i="0" u="none" strike="noStrike" cap="none">
               <a:solidFill>
                 <a:srgbClr val="000000"/>
               </a:solidFill>
@@ -5198,7 +5157,288 @@
 </file>
 
 <file path=ppt/theme/theme1.xml><?xml version="1.0" encoding="utf-8"?>
-<a:theme xmlns:a="http://schemas.openxmlformats.org/drawingml/2006/main" xmlns:r="http://schemas.openxmlformats.org/officeDocument/2006/relationships" name="Office Theme">
+<a:theme xmlns:a="http://schemas.openxmlformats.org/drawingml/2006/main" name="Default Design">
+  <a:themeElements>
+    <a:clrScheme name="Default Design 1">
+      <a:dk1>
+        <a:srgbClr val="000000"/>
+      </a:dk1>
+      <a:lt1>
+        <a:srgbClr val="FFFFFF"/>
+      </a:lt1>
+      <a:dk2>
+        <a:srgbClr val="000000"/>
+      </a:dk2>
+      <a:lt2>
+        <a:srgbClr val="808080"/>
+      </a:lt2>
+      <a:accent1>
+        <a:srgbClr val="BBE0E3"/>
+      </a:accent1>
+      <a:accent2>
+        <a:srgbClr val="333399"/>
+      </a:accent2>
+      <a:accent3>
+        <a:srgbClr val="FFFFFF"/>
+      </a:accent3>
+      <a:accent4>
+        <a:srgbClr val="000000"/>
+      </a:accent4>
+      <a:accent5>
+        <a:srgbClr val="DAEDEF"/>
+      </a:accent5>
+      <a:accent6>
+        <a:srgbClr val="2D2D8A"/>
+      </a:accent6>
+      <a:hlink>
+        <a:srgbClr val="009999"/>
+      </a:hlink>
+      <a:folHlink>
+        <a:srgbClr val="99CC00"/>
+      </a:folHlink>
+    </a:clrScheme>
+    <a:fontScheme name="Office">
+      <a:majorFont>
+        <a:latin typeface="Arial"/>
+        <a:ea typeface=""/>
+        <a:cs typeface=""/>
+        <a:font script="Jpan" typeface="ＭＳ Ｐゴシック"/>
+        <a:font script="Hang" typeface="맑은 고딕"/>
+        <a:font script="Hans" typeface="宋体"/>
+        <a:font script="Hant" typeface="新細明體"/>
+        <a:font script="Arab" typeface="Times New Roman"/>
+        <a:font script="Hebr" typeface="Times New Roman"/>
+        <a:font script="Thai" typeface="Angsana New"/>
+        <a:font script="Ethi" typeface="Nyala"/>
+        <a:font script="Beng" typeface="Vrinda"/>
+        <a:font script="Gujr" typeface="Shruti"/>
+        <a:font script="Khmr" typeface="MoolBoran"/>
+        <a:font script="Knda" typeface="Tunga"/>
+        <a:font script="Guru" typeface="Raavi"/>
+        <a:font script="Cans" typeface="Euphemia"/>
+        <a:font script="Cher" typeface="Plantagenet Cherokee"/>
+        <a:font script="Yiii" typeface="Microsoft Yi Baiti"/>
+        <a:font script="Tibt" typeface="Microsoft Himalaya"/>
+        <a:font script="Thaa" typeface="MV Boli"/>
+        <a:font script="Deva" typeface="Mangal"/>
+        <a:font script="Telu" typeface="Gautami"/>
+        <a:font script="Taml" typeface="Latha"/>
+        <a:font script="Syrc" typeface="Estrangelo Edessa"/>
+        <a:font script="Orya" typeface="Kalinga"/>
+        <a:font script="Mlym" typeface="Kartika"/>
+        <a:font script="Laoo" typeface="DokChampa"/>
+        <a:font script="Sinh" typeface="Iskoola Pota"/>
+        <a:font script="Mong" typeface="Mongolian Baiti"/>
+        <a:font script="Viet" typeface="Times New Roman"/>
+        <a:font script="Uigh" typeface="Microsoft Uighur"/>
+        <a:font script="Geor" typeface="Sylfaen"/>
+      </a:majorFont>
+      <a:minorFont>
+        <a:latin typeface="Arial"/>
+        <a:ea typeface=""/>
+        <a:cs typeface=""/>
+        <a:font script="Jpan" typeface="ＭＳ Ｐゴシック"/>
+        <a:font script="Hang" typeface="맑은 고딕"/>
+        <a:font script="Hans" typeface="宋体"/>
+        <a:font script="Hant" typeface="新細明體"/>
+        <a:font script="Arab" typeface="Arial"/>
+        <a:font script="Hebr" typeface="Arial"/>
+        <a:font script="Thai" typeface="Cordia New"/>
+        <a:font script="Ethi" typeface="Nyala"/>
+        <a:font script="Beng" typeface="Vrinda"/>
+        <a:font script="Gujr" typeface="Shruti"/>
+        <a:font script="Khmr" typeface="DaunPenh"/>
+        <a:font script="Knda" typeface="Tunga"/>
+        <a:font script="Guru" typeface="Raavi"/>
+        <a:font script="Cans" typeface="Euphemia"/>
+        <a:font script="Cher" typeface="Plantagenet Cherokee"/>
+        <a:font script="Yiii" typeface="Microsoft Yi Baiti"/>
+        <a:font script="Tibt" typeface="Microsoft Himalaya"/>
+        <a:font script="Thaa" typeface="MV Boli"/>
+        <a:font script="Deva" typeface="Mangal"/>
+        <a:font script="Telu" typeface="Gautami"/>
+        <a:font script="Taml" typeface="Latha"/>
+        <a:font script="Syrc" typeface="Estrangelo Edessa"/>
+        <a:font script="Orya" typeface="Kalinga"/>
+        <a:font script="Mlym" typeface="Kartika"/>
+        <a:font script="Laoo" typeface="DokChampa"/>
+        <a:font script="Sinh" typeface="Iskoola Pota"/>
+        <a:font script="Mong" typeface="Mongolian Baiti"/>
+        <a:font script="Viet" typeface="Arial"/>
+        <a:font script="Uigh" typeface="Microsoft Uighur"/>
+        <a:font script="Geor" typeface="Sylfaen"/>
+      </a:minorFont>
+    </a:fontScheme>
+    <a:fmtScheme name="Office">
+      <a:fillStyleLst>
+        <a:solidFill>
+          <a:schemeClr val="phClr"/>
+        </a:solidFill>
+        <a:gradFill rotWithShape="1">
+          <a:gsLst>
+            <a:gs pos="0">
+              <a:schemeClr val="phClr">
+                <a:tint val="50000"/>
+                <a:satMod val="300000"/>
+              </a:schemeClr>
+            </a:gs>
+            <a:gs pos="35000">
+              <a:schemeClr val="phClr">
+                <a:tint val="37000"/>
+                <a:satMod val="300000"/>
+              </a:schemeClr>
+            </a:gs>
+            <a:gs pos="100000">
+              <a:schemeClr val="phClr">
+                <a:tint val="15000"/>
+                <a:satMod val="350000"/>
+              </a:schemeClr>
+            </a:gs>
+          </a:gsLst>
+          <a:lin ang="16200000" scaled="1"/>
+        </a:gradFill>
+        <a:gradFill rotWithShape="1">
+          <a:gsLst>
+            <a:gs pos="0">
+              <a:schemeClr val="phClr">
+                <a:tint val="100000"/>
+                <a:shade val="100000"/>
+                <a:satMod val="130000"/>
+              </a:schemeClr>
+            </a:gs>
+            <a:gs pos="100000">
+              <a:schemeClr val="phClr">
+                <a:tint val="50000"/>
+                <a:shade val="100000"/>
+                <a:satMod val="350000"/>
+              </a:schemeClr>
+            </a:gs>
+          </a:gsLst>
+          <a:lin ang="16200000" scaled="0"/>
+        </a:gradFill>
+      </a:fillStyleLst>
+      <a:lnStyleLst>
+        <a:ln w="9525" cap="flat" cmpd="sng" algn="ctr">
+          <a:solidFill>
+            <a:schemeClr val="phClr">
+              <a:shade val="95000"/>
+              <a:satMod val="105000"/>
+            </a:schemeClr>
+          </a:solidFill>
+          <a:prstDash val="solid"/>
+        </a:ln>
+        <a:ln w="25400" cap="flat" cmpd="sng" algn="ctr">
+          <a:solidFill>
+            <a:schemeClr val="phClr"/>
+          </a:solidFill>
+          <a:prstDash val="solid"/>
+        </a:ln>
+        <a:ln w="38100" cap="flat" cmpd="sng" algn="ctr">
+          <a:solidFill>
+            <a:schemeClr val="phClr"/>
+          </a:solidFill>
+          <a:prstDash val="solid"/>
+        </a:ln>
+      </a:lnStyleLst>
+      <a:effectStyleLst>
+        <a:effectStyle>
+          <a:effectLst>
+            <a:outerShdw blurRad="40000" dist="20000" dir="5400000" rotWithShape="0">
+              <a:srgbClr val="000000">
+                <a:alpha val="38000"/>
+              </a:srgbClr>
+            </a:outerShdw>
+          </a:effectLst>
+        </a:effectStyle>
+        <a:effectStyle>
+          <a:effectLst>
+            <a:outerShdw blurRad="40000" dist="23000" dir="5400000" rotWithShape="0">
+              <a:srgbClr val="000000">
+                <a:alpha val="35000"/>
+              </a:srgbClr>
+            </a:outerShdw>
+          </a:effectLst>
+        </a:effectStyle>
+        <a:effectStyle>
+          <a:effectLst>
+            <a:outerShdw blurRad="40000" dist="23000" dir="5400000" rotWithShape="0">
+              <a:srgbClr val="000000">
+                <a:alpha val="35000"/>
+              </a:srgbClr>
+            </a:outerShdw>
+          </a:effectLst>
+          <a:scene3d>
+            <a:camera prst="orthographicFront">
+              <a:rot lat="0" lon="0" rev="0"/>
+            </a:camera>
+            <a:lightRig rig="threePt" dir="t">
+              <a:rot lat="0" lon="0" rev="1200000"/>
+            </a:lightRig>
+          </a:scene3d>
+          <a:sp3d>
+            <a:bevelT w="63500" h="25400"/>
+          </a:sp3d>
+        </a:effectStyle>
+      </a:effectStyleLst>
+      <a:bgFillStyleLst>
+        <a:solidFill>
+          <a:schemeClr val="phClr"/>
+        </a:solidFill>
+        <a:gradFill rotWithShape="1">
+          <a:gsLst>
+            <a:gs pos="0">
+              <a:schemeClr val="phClr">
+                <a:tint val="40000"/>
+                <a:satMod val="350000"/>
+              </a:schemeClr>
+            </a:gs>
+            <a:gs pos="40000">
+              <a:schemeClr val="phClr">
+                <a:tint val="45000"/>
+                <a:shade val="99000"/>
+                <a:satMod val="350000"/>
+              </a:schemeClr>
+            </a:gs>
+            <a:gs pos="100000">
+              <a:schemeClr val="phClr">
+                <a:shade val="20000"/>
+                <a:satMod val="255000"/>
+              </a:schemeClr>
+            </a:gs>
+          </a:gsLst>
+          <a:path path="circle">
+            <a:fillToRect l="50000" t="-80000" r="50000" b="180000"/>
+          </a:path>
+        </a:gradFill>
+        <a:gradFill rotWithShape="1">
+          <a:gsLst>
+            <a:gs pos="0">
+              <a:schemeClr val="phClr">
+                <a:tint val="80000"/>
+                <a:satMod val="300000"/>
+              </a:schemeClr>
+            </a:gs>
+            <a:gs pos="100000">
+              <a:schemeClr val="phClr">
+                <a:shade val="30000"/>
+                <a:satMod val="200000"/>
+              </a:schemeClr>
+            </a:gs>
+          </a:gsLst>
+          <a:path path="circle">
+            <a:fillToRect l="50000" t="50000" r="50000" b="50000"/>
+          </a:path>
+        </a:gradFill>
+      </a:bgFillStyleLst>
+    </a:fmtScheme>
+  </a:themeElements>
+  <a:objectDefaults/>
+  <a:extraClrSchemeLst/>
+</a:theme>
+</file>
+
+<file path=ppt/theme/theme2.xml><?xml version="1.0" encoding="utf-8"?>
+<a:theme xmlns:a="http://schemas.openxmlformats.org/drawingml/2006/main" name="Office Theme">
   <a:themeElements>
     <a:clrScheme name="Office">
       <a:dk1>
@@ -5473,284 +5713,7 @@
       </a:bgFillStyleLst>
     </a:fmtScheme>
   </a:themeElements>
-</a:theme>
-</file>
-
-<file path=ppt/theme/theme2.xml><?xml version="1.0" encoding="utf-8"?>
-<a:theme xmlns:a="http://schemas.openxmlformats.org/drawingml/2006/main" xmlns:r="http://schemas.openxmlformats.org/officeDocument/2006/relationships" name="Default Design">
-  <a:themeElements>
-    <a:clrScheme name="Default Design 1">
-      <a:dk1>
-        <a:srgbClr val="000000"/>
-      </a:dk1>
-      <a:lt1>
-        <a:srgbClr val="FFFFFF"/>
-      </a:lt1>
-      <a:dk2>
-        <a:srgbClr val="000000"/>
-      </a:dk2>
-      <a:lt2>
-        <a:srgbClr val="808080"/>
-      </a:lt2>
-      <a:accent1>
-        <a:srgbClr val="BBE0E3"/>
-      </a:accent1>
-      <a:accent2>
-        <a:srgbClr val="333399"/>
-      </a:accent2>
-      <a:accent3>
-        <a:srgbClr val="FFFFFF"/>
-      </a:accent3>
-      <a:accent4>
-        <a:srgbClr val="000000"/>
-      </a:accent4>
-      <a:accent5>
-        <a:srgbClr val="DAEDEF"/>
-      </a:accent5>
-      <a:accent6>
-        <a:srgbClr val="2D2D8A"/>
-      </a:accent6>
-      <a:hlink>
-        <a:srgbClr val="009999"/>
-      </a:hlink>
-      <a:folHlink>
-        <a:srgbClr val="99CC00"/>
-      </a:folHlink>
-    </a:clrScheme>
-    <a:fontScheme name="Office">
-      <a:majorFont>
-        <a:latin typeface="Arial"/>
-        <a:ea typeface=""/>
-        <a:cs typeface=""/>
-        <a:font script="Jpan" typeface="ＭＳ Ｐゴシック"/>
-        <a:font script="Hang" typeface="맑은 고딕"/>
-        <a:font script="Hans" typeface="宋体"/>
-        <a:font script="Hant" typeface="新細明體"/>
-        <a:font script="Arab" typeface="Times New Roman"/>
-        <a:font script="Hebr" typeface="Times New Roman"/>
-        <a:font script="Thai" typeface="Angsana New"/>
-        <a:font script="Ethi" typeface="Nyala"/>
-        <a:font script="Beng" typeface="Vrinda"/>
-        <a:font script="Gujr" typeface="Shruti"/>
-        <a:font script="Khmr" typeface="MoolBoran"/>
-        <a:font script="Knda" typeface="Tunga"/>
-        <a:font script="Guru" typeface="Raavi"/>
-        <a:font script="Cans" typeface="Euphemia"/>
-        <a:font script="Cher" typeface="Plantagenet Cherokee"/>
-        <a:font script="Yiii" typeface="Microsoft Yi Baiti"/>
-        <a:font script="Tibt" typeface="Microsoft Himalaya"/>
-        <a:font script="Thaa" typeface="MV Boli"/>
-        <a:font script="Deva" typeface="Mangal"/>
-        <a:font script="Telu" typeface="Gautami"/>
-        <a:font script="Taml" typeface="Latha"/>
-        <a:font script="Syrc" typeface="Estrangelo Edessa"/>
-        <a:font script="Orya" typeface="Kalinga"/>
-        <a:font script="Mlym" typeface="Kartika"/>
-        <a:font script="Laoo" typeface="DokChampa"/>
-        <a:font script="Sinh" typeface="Iskoola Pota"/>
-        <a:font script="Mong" typeface="Mongolian Baiti"/>
-        <a:font script="Viet" typeface="Times New Roman"/>
-        <a:font script="Uigh" typeface="Microsoft Uighur"/>
-        <a:font script="Geor" typeface="Sylfaen"/>
-      </a:majorFont>
-      <a:minorFont>
-        <a:latin typeface="Arial"/>
-        <a:ea typeface=""/>
-        <a:cs typeface=""/>
-        <a:font script="Jpan" typeface="ＭＳ Ｐゴシック"/>
-        <a:font script="Hang" typeface="맑은 고딕"/>
-        <a:font script="Hans" typeface="宋体"/>
-        <a:font script="Hant" typeface="新細明體"/>
-        <a:font script="Arab" typeface="Arial"/>
-        <a:font script="Hebr" typeface="Arial"/>
-        <a:font script="Thai" typeface="Cordia New"/>
-        <a:font script="Ethi" typeface="Nyala"/>
-        <a:font script="Beng" typeface="Vrinda"/>
-        <a:font script="Gujr" typeface="Shruti"/>
-        <a:font script="Khmr" typeface="DaunPenh"/>
-        <a:font script="Knda" typeface="Tunga"/>
-        <a:font script="Guru" typeface="Raavi"/>
-        <a:font script="Cans" typeface="Euphemia"/>
-        <a:font script="Cher" typeface="Plantagenet Cherokee"/>
-        <a:font script="Yiii" typeface="Microsoft Yi Baiti"/>
-        <a:font script="Tibt" typeface="Microsoft Himalaya"/>
-        <a:font script="Thaa" typeface="MV Boli"/>
-        <a:font script="Deva" typeface="Mangal"/>
-        <a:font script="Telu" typeface="Gautami"/>
-        <a:font script="Taml" typeface="Latha"/>
-        <a:font script="Syrc" typeface="Estrangelo Edessa"/>
-        <a:font script="Orya" typeface="Kalinga"/>
-        <a:font script="Mlym" typeface="Kartika"/>
-        <a:font script="Laoo" typeface="DokChampa"/>
-        <a:font script="Sinh" typeface="Iskoola Pota"/>
-        <a:font script="Mong" typeface="Mongolian Baiti"/>
-        <a:font script="Viet" typeface="Arial"/>
-        <a:font script="Uigh" typeface="Microsoft Uighur"/>
-        <a:font script="Geor" typeface="Sylfaen"/>
-      </a:minorFont>
-    </a:fontScheme>
-    <a:fmtScheme name="Office">
-      <a:fillStyleLst>
-        <a:solidFill>
-          <a:schemeClr val="phClr"/>
-        </a:solidFill>
-        <a:gradFill rotWithShape="1">
-          <a:gsLst>
-            <a:gs pos="0">
-              <a:schemeClr val="phClr">
-                <a:tint val="50000"/>
-                <a:satMod val="300000"/>
-              </a:schemeClr>
-            </a:gs>
-            <a:gs pos="35000">
-              <a:schemeClr val="phClr">
-                <a:tint val="37000"/>
-                <a:satMod val="300000"/>
-              </a:schemeClr>
-            </a:gs>
-            <a:gs pos="100000">
-              <a:schemeClr val="phClr">
-                <a:tint val="15000"/>
-                <a:satMod val="350000"/>
-              </a:schemeClr>
-            </a:gs>
-          </a:gsLst>
-          <a:lin ang="16200000" scaled="1"/>
-        </a:gradFill>
-        <a:gradFill rotWithShape="1">
-          <a:gsLst>
-            <a:gs pos="0">
-              <a:schemeClr val="phClr">
-                <a:tint val="100000"/>
-                <a:shade val="100000"/>
-                <a:satMod val="130000"/>
-              </a:schemeClr>
-            </a:gs>
-            <a:gs pos="100000">
-              <a:schemeClr val="phClr">
-                <a:tint val="50000"/>
-                <a:shade val="100000"/>
-                <a:satMod val="350000"/>
-              </a:schemeClr>
-            </a:gs>
-          </a:gsLst>
-          <a:lin ang="16200000" scaled="0"/>
-        </a:gradFill>
-      </a:fillStyleLst>
-      <a:lnStyleLst>
-        <a:ln w="9525" cap="flat" cmpd="sng" algn="ctr">
-          <a:solidFill>
-            <a:schemeClr val="phClr">
-              <a:shade val="95000"/>
-              <a:satMod val="105000"/>
-            </a:schemeClr>
-          </a:solidFill>
-          <a:prstDash val="solid"/>
-        </a:ln>
-        <a:ln w="25400" cap="flat" cmpd="sng" algn="ctr">
-          <a:solidFill>
-            <a:schemeClr val="phClr"/>
-          </a:solidFill>
-          <a:prstDash val="solid"/>
-        </a:ln>
-        <a:ln w="38100" cap="flat" cmpd="sng" algn="ctr">
-          <a:solidFill>
-            <a:schemeClr val="phClr"/>
-          </a:solidFill>
-          <a:prstDash val="solid"/>
-        </a:ln>
-      </a:lnStyleLst>
-      <a:effectStyleLst>
-        <a:effectStyle>
-          <a:effectLst>
-            <a:outerShdw blurRad="40000" dist="20000" dir="5400000" rotWithShape="0">
-              <a:srgbClr val="000000">
-                <a:alpha val="38000"/>
-              </a:srgbClr>
-            </a:outerShdw>
-          </a:effectLst>
-        </a:effectStyle>
-        <a:effectStyle>
-          <a:effectLst>
-            <a:outerShdw blurRad="40000" dist="23000" dir="5400000" rotWithShape="0">
-              <a:srgbClr val="000000">
-                <a:alpha val="35000"/>
-              </a:srgbClr>
-            </a:outerShdw>
-          </a:effectLst>
-        </a:effectStyle>
-        <a:effectStyle>
-          <a:effectLst>
-            <a:outerShdw blurRad="40000" dist="23000" dir="5400000" rotWithShape="0">
-              <a:srgbClr val="000000">
-                <a:alpha val="35000"/>
-              </a:srgbClr>
-            </a:outerShdw>
-          </a:effectLst>
-          <a:scene3d>
-            <a:camera prst="orthographicFront">
-              <a:rot lat="0" lon="0" rev="0"/>
-            </a:camera>
-            <a:lightRig rig="threePt" dir="t">
-              <a:rot lat="0" lon="0" rev="1200000"/>
-            </a:lightRig>
-          </a:scene3d>
-          <a:sp3d>
-            <a:bevelT w="63500" h="25400"/>
-          </a:sp3d>
-        </a:effectStyle>
-      </a:effectStyleLst>
-      <a:bgFillStyleLst>
-        <a:solidFill>
-          <a:schemeClr val="phClr"/>
-        </a:solidFill>
-        <a:gradFill rotWithShape="1">
-          <a:gsLst>
-            <a:gs pos="0">
-              <a:schemeClr val="phClr">
-                <a:tint val="40000"/>
-                <a:satMod val="350000"/>
-              </a:schemeClr>
-            </a:gs>
-            <a:gs pos="40000">
-              <a:schemeClr val="phClr">
-                <a:tint val="45000"/>
-                <a:shade val="99000"/>
-                <a:satMod val="350000"/>
-              </a:schemeClr>
-            </a:gs>
-            <a:gs pos="100000">
-              <a:schemeClr val="phClr">
-                <a:shade val="20000"/>
-                <a:satMod val="255000"/>
-              </a:schemeClr>
-            </a:gs>
-          </a:gsLst>
-          <a:path path="circle">
-            <a:fillToRect l="50000" t="-80000" r="50000" b="180000"/>
-          </a:path>
-        </a:gradFill>
-        <a:gradFill rotWithShape="1">
-          <a:gsLst>
-            <a:gs pos="0">
-              <a:schemeClr val="phClr">
-                <a:tint val="80000"/>
-                <a:satMod val="300000"/>
-              </a:schemeClr>
-            </a:gs>
-            <a:gs pos="100000">
-              <a:schemeClr val="phClr">
-                <a:shade val="30000"/>
-                <a:satMod val="200000"/>
-              </a:schemeClr>
-            </a:gs>
-          </a:gsLst>
-          <a:path path="circle">
-            <a:fillToRect l="50000" t="50000" r="50000" b="50000"/>
-          </a:path>
-        </a:gradFill>
-      </a:bgFillStyleLst>
-    </a:fmtScheme>
-  </a:themeElements>
+  <a:objectDefaults/>
+  <a:extraClrSchemeLst/>
 </a:theme>
 </file>
--- a/16April 4pm Pharmacy Website.pptx
+++ b/16April 4pm Pharmacy Website.pptx
@@ -4597,7 +4597,7 @@
             </a:pPr>
             <a:r>
               <a:rPr lang="en-US" sz="2400" dirty="0"/>
-              <a:t>HTML, CSS, JavaScript and jQuery for the frontend.</a:t>
+              <a:t>HTML, CSS, JavaScript and AJAX and jQuery for the frontend.</a:t>
             </a:r>
             <a:endParaRPr sz="2400" dirty="0"/>
           </a:p>
@@ -4625,7 +4625,7 @@
             </a:pPr>
             <a:r>
               <a:rPr lang="en-US" sz="2400" dirty="0"/>
-              <a:t>PHP, AJAX and API’s for the backend.</a:t>
+              <a:t>PHP and API’s for the backend.</a:t>
             </a:r>
             <a:endParaRPr sz="2400" dirty="0"/>
           </a:p>
@@ -5053,7 +5053,35 @@
               </a:spcAft>
               <a:buNone/>
             </a:pPr>
-            <a:endParaRPr/>
+            <a:endParaRPr lang="en-IN" sz="2800" dirty="0"/>
+          </a:p>
+          <a:p>
+            <a:pPr marL="0" lvl="0" indent="0" algn="l" rtl="0">
+              <a:spcBef>
+                <a:spcPts val="0"/>
+              </a:spcBef>
+              <a:spcAft>
+                <a:spcPts val="0"/>
+              </a:spcAft>
+              <a:buNone/>
+            </a:pPr>
+            <a:endParaRPr lang="en-IN" sz="2800" dirty="0"/>
+          </a:p>
+          <a:p>
+            <a:pPr marL="0" lvl="0" indent="0" algn="l" rtl="0">
+              <a:spcBef>
+                <a:spcPts val="0"/>
+              </a:spcBef>
+              <a:spcAft>
+                <a:spcPts val="0"/>
+              </a:spcAft>
+              <a:buNone/>
+            </a:pPr>
+            <a:r>
+              <a:rPr lang="en-IN" sz="2800" dirty="0"/>
+              <a:t>We run an ML code which using the data from the previous orders predicts the three most probable orders which can be placed next.</a:t>
+            </a:r>
+            <a:endParaRPr sz="2800" dirty="0"/>
           </a:p>
         </p:txBody>
       </p:sp>

--- a/16April 4pm Pharmacy Website.pptx
+++ b/16April 4pm Pharmacy Website.pptx
@@ -4866,12 +4866,41 @@
             </a:pPr>
             <a:r>
               <a:rPr lang="en-IN" sz="2400" dirty="0"/>
-              <a:t>The technique implemented from the one’s taught in lab is the Multistage Download, to properly display it’s effect a picture slider was added into the first page (index.html).</a:t>
+              <a:t>The technique implemented is the Multistage Download.</a:t>
             </a:r>
-            <a:endParaRPr sz="2400" dirty="0"/>
           </a:p>
         </p:txBody>
       </p:sp>
+      <p:pic>
+        <p:nvPicPr>
+          <p:cNvPr id="2" name="Picture 1">
+            <a:extLst>
+              <a:ext uri="{FF2B5EF4-FFF2-40B4-BE49-F238E27FC236}">
+                <a16:creationId xmlns:a16="http://schemas.microsoft.com/office/drawing/2014/main" id="{1E8CD535-5CC3-4EFF-AFE5-60F1A7EA21FF}"/>
+              </a:ext>
+            </a:extLst>
+          </p:cNvPr>
+          <p:cNvPicPr>
+            <a:picLocks noChangeAspect="1"/>
+          </p:cNvPicPr>
+          <p:nvPr/>
+        </p:nvPicPr>
+        <p:blipFill>
+          <a:blip r:embed="rId3"/>
+          <a:stretch>
+            <a:fillRect/>
+          </a:stretch>
+        </p:blipFill>
+        <p:spPr>
+          <a:xfrm>
+            <a:off x="2286000" y="3281218"/>
+            <a:ext cx="4572000" cy="2571750"/>
+          </a:xfrm>
+          <a:prstGeom prst="rect">
+            <a:avLst/>
+          </a:prstGeom>
+        </p:spPr>
+      </p:pic>
     </p:spTree>
   </p:cSld>
   <p:clrMapOvr>
